--- a/presentations/pi_27_apr_2025/presentations/FATF Recommendation 16.pptx
+++ b/presentations/pi_27_apr_2025/presentations/FATF Recommendation 16.pptx
@@ -128,7 +128,7 @@
 <file path=ppt/revisionInfo.xml><?xml version="1.0" encoding="utf-8"?>
 <p1510:revInfo xmlns:a="http://schemas.openxmlformats.org/drawingml/2006/main" xmlns:r="http://schemas.openxmlformats.org/officeDocument/2006/relationships" xmlns:p1510="http://schemas.microsoft.com/office/powerpoint/2015/10/main">
   <p1510:revLst>
-    <p1510:client id="{B88ADE60-385E-426F-8D96-A986076EDA21}" v="466" dt="2025-04-11T17:20:22.335"/>
+    <p1510:client id="{B88ADE60-385E-426F-8D96-A986076EDA21}" v="474" dt="2025-04-15T11:24:34.302"/>
   </p1510:revLst>
 </p1510:revInfo>
 </file>
@@ -138,7 +138,7 @@
   <pc:docChgLst>
     <pc:chgData name="Michael Richards" userId="6afda9a54147f31e" providerId="LiveId" clId="{B88ADE60-385E-426F-8D96-A986076EDA21}"/>
     <pc:docChg chg="undo custSel addSld modSld sldOrd">
-      <pc:chgData name="Michael Richards" userId="6afda9a54147f31e" providerId="LiveId" clId="{B88ADE60-385E-426F-8D96-A986076EDA21}" dt="2025-04-11T17:20:43.804" v="5330" actId="20577"/>
+      <pc:chgData name="Michael Richards" userId="6afda9a54147f31e" providerId="LiveId" clId="{B88ADE60-385E-426F-8D96-A986076EDA21}" dt="2025-04-15T11:24:34.302" v="5408"/>
       <pc:docMkLst>
         <pc:docMk/>
       </pc:docMkLst>
@@ -228,7 +228,7 @@
         </pc:spChg>
       </pc:sldChg>
       <pc:sldChg chg="modSp new mod modAnim">
-        <pc:chgData name="Michael Richards" userId="6afda9a54147f31e" providerId="LiveId" clId="{B88ADE60-385E-426F-8D96-A986076EDA21}" dt="2025-04-11T09:00:32.863" v="2557"/>
+        <pc:chgData name="Michael Richards" userId="6afda9a54147f31e" providerId="LiveId" clId="{B88ADE60-385E-426F-8D96-A986076EDA21}" dt="2025-04-15T11:23:39.970" v="5404"/>
         <pc:sldMkLst>
           <pc:docMk/>
           <pc:sldMk cId="2278691111" sldId="261"/>
@@ -259,7 +259,7 @@
         </pc:spChg>
       </pc:sldChg>
       <pc:sldChg chg="modSp new mod modAnim">
-        <pc:chgData name="Michael Richards" userId="6afda9a54147f31e" providerId="LiveId" clId="{B88ADE60-385E-426F-8D96-A986076EDA21}" dt="2025-04-11T17:11:35.883" v="4331"/>
+        <pc:chgData name="Michael Richards" userId="6afda9a54147f31e" providerId="LiveId" clId="{B88ADE60-385E-426F-8D96-A986076EDA21}" dt="2025-04-15T11:24:07.928" v="5406"/>
         <pc:sldMkLst>
           <pc:docMk/>
           <pc:sldMk cId="2750272362" sldId="262"/>
@@ -290,7 +290,7 @@
         </pc:spChg>
       </pc:sldChg>
       <pc:sldChg chg="addSp modSp new mod ord modAnim">
-        <pc:chgData name="Michael Richards" userId="6afda9a54147f31e" providerId="LiveId" clId="{B88ADE60-385E-426F-8D96-A986076EDA21}" dt="2025-04-11T09:12:53.599" v="2622" actId="1076"/>
+        <pc:chgData name="Michael Richards" userId="6afda9a54147f31e" providerId="LiveId" clId="{B88ADE60-385E-426F-8D96-A986076EDA21}" dt="2025-04-15T11:22:30.115" v="5332"/>
         <pc:sldMkLst>
           <pc:docMk/>
           <pc:sldMk cId="2845638704" sldId="263"/>
@@ -319,23 +319,15 @@
             <ac:picMk id="5" creationId="{5870EEFB-31E9-A726-C86D-081E79AE8E35}"/>
           </ac:picMkLst>
         </pc:picChg>
-        <pc:picChg chg="add">
-          <ac:chgData name="Michael Richards" userId="6afda9a54147f31e" providerId="LiveId" clId="{B88ADE60-385E-426F-8D96-A986076EDA21}" dt="2025-04-11T08:58:34.076" v="2505"/>
-          <ac:picMkLst>
-            <pc:docMk/>
-            <pc:sldMk cId="2845638704" sldId="263"/>
-            <ac:picMk id="6" creationId="{C3C097D0-9CB2-5AEB-9A54-4DD5FE813048}"/>
-          </ac:picMkLst>
-        </pc:picChg>
       </pc:sldChg>
       <pc:sldChg chg="modSp new mod modAnim">
-        <pc:chgData name="Michael Richards" userId="6afda9a54147f31e" providerId="LiveId" clId="{B88ADE60-385E-426F-8D96-A986076EDA21}" dt="2025-04-11T17:05:09.261" v="4223"/>
+        <pc:chgData name="Michael Richards" userId="6afda9a54147f31e" providerId="LiveId" clId="{B88ADE60-385E-426F-8D96-A986076EDA21}" dt="2025-04-15T11:23:25.919" v="5403"/>
         <pc:sldMkLst>
           <pc:docMk/>
           <pc:sldMk cId="927537797" sldId="264"/>
         </pc:sldMkLst>
         <pc:spChg chg="mod">
-          <ac:chgData name="Michael Richards" userId="6afda9a54147f31e" providerId="LiveId" clId="{B88ADE60-385E-426F-8D96-A986076EDA21}" dt="2025-04-11T13:37:47.341" v="2731" actId="20577"/>
+          <ac:chgData name="Michael Richards" userId="6afda9a54147f31e" providerId="LiveId" clId="{B88ADE60-385E-426F-8D96-A986076EDA21}" dt="2025-04-15T11:23:17.421" v="5402" actId="20577"/>
           <ac:spMkLst>
             <pc:docMk/>
             <pc:sldMk cId="927537797" sldId="264"/>
@@ -352,7 +344,7 @@
         </pc:spChg>
       </pc:sldChg>
       <pc:sldChg chg="modSp new mod modAnim">
-        <pc:chgData name="Michael Richards" userId="6afda9a54147f31e" providerId="LiveId" clId="{B88ADE60-385E-426F-8D96-A986076EDA21}" dt="2025-04-11T17:05:25.625" v="4225"/>
+        <pc:chgData name="Michael Richards" userId="6afda9a54147f31e" providerId="LiveId" clId="{B88ADE60-385E-426F-8D96-A986076EDA21}" dt="2025-04-15T11:23:54.560" v="5405"/>
         <pc:sldMkLst>
           <pc:docMk/>
           <pc:sldMk cId="1241368815" sldId="265"/>
@@ -375,7 +367,7 @@
         </pc:spChg>
       </pc:sldChg>
       <pc:sldChg chg="modSp new mod modAnim">
-        <pc:chgData name="Michael Richards" userId="6afda9a54147f31e" providerId="LiveId" clId="{B88ADE60-385E-426F-8D96-A986076EDA21}" dt="2025-04-11T17:17:04.178" v="4937"/>
+        <pc:chgData name="Michael Richards" userId="6afda9a54147f31e" providerId="LiveId" clId="{B88ADE60-385E-426F-8D96-A986076EDA21}" dt="2025-04-15T11:24:20.904" v="5407"/>
         <pc:sldMkLst>
           <pc:docMk/>
           <pc:sldMk cId="2246089192" sldId="266"/>
@@ -398,7 +390,7 @@
         </pc:spChg>
       </pc:sldChg>
       <pc:sldChg chg="modSp new mod modAnim">
-        <pc:chgData name="Michael Richards" userId="6afda9a54147f31e" providerId="LiveId" clId="{B88ADE60-385E-426F-8D96-A986076EDA21}" dt="2025-04-11T17:20:22.335" v="5316" actId="20577"/>
+        <pc:chgData name="Michael Richards" userId="6afda9a54147f31e" providerId="LiveId" clId="{B88ADE60-385E-426F-8D96-A986076EDA21}" dt="2025-04-15T11:24:34.302" v="5408"/>
         <pc:sldMkLst>
           <pc:docMk/>
           <pc:sldMk cId="3925557811" sldId="267"/>
@@ -522,7 +514,7 @@
           <a:p>
             <a:fld id="{F43C7158-3EDA-D449-8D0F-DA0A67645948}" type="datetimeFigureOut">
               <a:rPr lang="en-US" smtClean="0"/>
-              <a:t>4/10/2025</a:t>
+              <a:t>4/14/2025</a:t>
             </a:fld>
             <a:endParaRPr lang="en-US"/>
           </a:p>
@@ -4028,281 +4020,6 @@
   <p:clrMapOvr>
     <a:masterClrMapping/>
   </p:clrMapOvr>
-  <p:timing>
-    <p:tnLst>
-      <p:par>
-        <p:cTn id="1" dur="indefinite" restart="never" nodeType="tmRoot">
-          <p:childTnLst>
-            <p:seq concurrent="1" nextAc="seek">
-              <p:cTn id="2" dur="indefinite" nodeType="mainSeq">
-                <p:childTnLst>
-                  <p:par>
-                    <p:cTn id="3" fill="hold">
-                      <p:stCondLst>
-                        <p:cond delay="indefinite"/>
-                      </p:stCondLst>
-                      <p:childTnLst>
-                        <p:par>
-                          <p:cTn id="4" fill="hold">
-                            <p:stCondLst>
-                              <p:cond delay="0"/>
-                            </p:stCondLst>
-                            <p:childTnLst>
-                              <p:par>
-                                <p:cTn id="5" presetID="1" presetClass="entr" presetSubtype="0" fill="hold" nodeType="clickEffect">
-                                  <p:stCondLst>
-                                    <p:cond delay="0"/>
-                                  </p:stCondLst>
-                                  <p:childTnLst>
-                                    <p:set>
-                                      <p:cBhvr>
-                                        <p:cTn id="6" dur="1" fill="hold">
-                                          <p:stCondLst>
-                                            <p:cond delay="0"/>
-                                          </p:stCondLst>
-                                        </p:cTn>
-                                        <p:tgtEl>
-                                          <p:spTgt spid="3">
-                                            <p:txEl>
-                                              <p:pRg st="0" end="0"/>
-                                            </p:txEl>
-                                          </p:spTgt>
-                                        </p:tgtEl>
-                                        <p:attrNameLst>
-                                          <p:attrName>style.visibility</p:attrName>
-                                        </p:attrNameLst>
-                                      </p:cBhvr>
-                                      <p:to>
-                                        <p:strVal val="visible"/>
-                                      </p:to>
-                                    </p:set>
-                                  </p:childTnLst>
-                                </p:cTn>
-                              </p:par>
-                            </p:childTnLst>
-                          </p:cTn>
-                        </p:par>
-                      </p:childTnLst>
-                    </p:cTn>
-                  </p:par>
-                  <p:par>
-                    <p:cTn id="7" fill="hold">
-                      <p:stCondLst>
-                        <p:cond delay="indefinite"/>
-                      </p:stCondLst>
-                      <p:childTnLst>
-                        <p:par>
-                          <p:cTn id="8" fill="hold">
-                            <p:stCondLst>
-                              <p:cond delay="0"/>
-                            </p:stCondLst>
-                            <p:childTnLst>
-                              <p:par>
-                                <p:cTn id="9" presetID="1" presetClass="entr" presetSubtype="0" fill="hold" nodeType="clickEffect">
-                                  <p:stCondLst>
-                                    <p:cond delay="0"/>
-                                  </p:stCondLst>
-                                  <p:childTnLst>
-                                    <p:set>
-                                      <p:cBhvr>
-                                        <p:cTn id="10" dur="1" fill="hold">
-                                          <p:stCondLst>
-                                            <p:cond delay="0"/>
-                                          </p:stCondLst>
-                                        </p:cTn>
-                                        <p:tgtEl>
-                                          <p:spTgt spid="3">
-                                            <p:txEl>
-                                              <p:pRg st="1" end="1"/>
-                                            </p:txEl>
-                                          </p:spTgt>
-                                        </p:tgtEl>
-                                        <p:attrNameLst>
-                                          <p:attrName>style.visibility</p:attrName>
-                                        </p:attrNameLst>
-                                      </p:cBhvr>
-                                      <p:to>
-                                        <p:strVal val="visible"/>
-                                      </p:to>
-                                    </p:set>
-                                  </p:childTnLst>
-                                </p:cTn>
-                              </p:par>
-                            </p:childTnLst>
-                          </p:cTn>
-                        </p:par>
-                      </p:childTnLst>
-                    </p:cTn>
-                  </p:par>
-                  <p:par>
-                    <p:cTn id="11" fill="hold">
-                      <p:stCondLst>
-                        <p:cond delay="indefinite"/>
-                      </p:stCondLst>
-                      <p:childTnLst>
-                        <p:par>
-                          <p:cTn id="12" fill="hold">
-                            <p:stCondLst>
-                              <p:cond delay="0"/>
-                            </p:stCondLst>
-                            <p:childTnLst>
-                              <p:par>
-                                <p:cTn id="13" presetID="1" presetClass="entr" presetSubtype="0" fill="hold" nodeType="clickEffect">
-                                  <p:stCondLst>
-                                    <p:cond delay="0"/>
-                                  </p:stCondLst>
-                                  <p:childTnLst>
-                                    <p:set>
-                                      <p:cBhvr>
-                                        <p:cTn id="14" dur="1" fill="hold">
-                                          <p:stCondLst>
-                                            <p:cond delay="0"/>
-                                          </p:stCondLst>
-                                        </p:cTn>
-                                        <p:tgtEl>
-                                          <p:spTgt spid="3">
-                                            <p:txEl>
-                                              <p:pRg st="2" end="2"/>
-                                            </p:txEl>
-                                          </p:spTgt>
-                                        </p:tgtEl>
-                                        <p:attrNameLst>
-                                          <p:attrName>style.visibility</p:attrName>
-                                        </p:attrNameLst>
-                                      </p:cBhvr>
-                                      <p:to>
-                                        <p:strVal val="visible"/>
-                                      </p:to>
-                                    </p:set>
-                                  </p:childTnLst>
-                                </p:cTn>
-                              </p:par>
-                            </p:childTnLst>
-                          </p:cTn>
-                        </p:par>
-                      </p:childTnLst>
-                    </p:cTn>
-                  </p:par>
-                  <p:par>
-                    <p:cTn id="15" fill="hold">
-                      <p:stCondLst>
-                        <p:cond delay="indefinite"/>
-                      </p:stCondLst>
-                      <p:childTnLst>
-                        <p:par>
-                          <p:cTn id="16" fill="hold">
-                            <p:stCondLst>
-                              <p:cond delay="0"/>
-                            </p:stCondLst>
-                            <p:childTnLst>
-                              <p:par>
-                                <p:cTn id="17" presetID="1" presetClass="entr" presetSubtype="0" fill="hold" nodeType="clickEffect">
-                                  <p:stCondLst>
-                                    <p:cond delay="0"/>
-                                  </p:stCondLst>
-                                  <p:childTnLst>
-                                    <p:set>
-                                      <p:cBhvr>
-                                        <p:cTn id="18" dur="1" fill="hold">
-                                          <p:stCondLst>
-                                            <p:cond delay="0"/>
-                                          </p:stCondLst>
-                                        </p:cTn>
-                                        <p:tgtEl>
-                                          <p:spTgt spid="3">
-                                            <p:txEl>
-                                              <p:pRg st="3" end="3"/>
-                                            </p:txEl>
-                                          </p:spTgt>
-                                        </p:tgtEl>
-                                        <p:attrNameLst>
-                                          <p:attrName>style.visibility</p:attrName>
-                                        </p:attrNameLst>
-                                      </p:cBhvr>
-                                      <p:to>
-                                        <p:strVal val="visible"/>
-                                      </p:to>
-                                    </p:set>
-                                  </p:childTnLst>
-                                </p:cTn>
-                              </p:par>
-                            </p:childTnLst>
-                          </p:cTn>
-                        </p:par>
-                      </p:childTnLst>
-                    </p:cTn>
-                  </p:par>
-                  <p:par>
-                    <p:cTn id="19" fill="hold">
-                      <p:stCondLst>
-                        <p:cond delay="indefinite"/>
-                      </p:stCondLst>
-                      <p:childTnLst>
-                        <p:par>
-                          <p:cTn id="20" fill="hold">
-                            <p:stCondLst>
-                              <p:cond delay="0"/>
-                            </p:stCondLst>
-                            <p:childTnLst>
-                              <p:par>
-                                <p:cTn id="21" presetID="1" presetClass="entr" presetSubtype="0" fill="hold" nodeType="clickEffect">
-                                  <p:stCondLst>
-                                    <p:cond delay="0"/>
-                                  </p:stCondLst>
-                                  <p:childTnLst>
-                                    <p:set>
-                                      <p:cBhvr>
-                                        <p:cTn id="22" dur="1" fill="hold">
-                                          <p:stCondLst>
-                                            <p:cond delay="0"/>
-                                          </p:stCondLst>
-                                        </p:cTn>
-                                        <p:tgtEl>
-                                          <p:spTgt spid="3">
-                                            <p:txEl>
-                                              <p:pRg st="4" end="4"/>
-                                            </p:txEl>
-                                          </p:spTgt>
-                                        </p:tgtEl>
-                                        <p:attrNameLst>
-                                          <p:attrName>style.visibility</p:attrName>
-                                        </p:attrNameLst>
-                                      </p:cBhvr>
-                                      <p:to>
-                                        <p:strVal val="visible"/>
-                                      </p:to>
-                                    </p:set>
-                                  </p:childTnLst>
-                                </p:cTn>
-                              </p:par>
-                            </p:childTnLst>
-                          </p:cTn>
-                        </p:par>
-                      </p:childTnLst>
-                    </p:cTn>
-                  </p:par>
-                </p:childTnLst>
-              </p:cTn>
-              <p:prevCondLst>
-                <p:cond evt="onPrev" delay="0">
-                  <p:tgtEl>
-                    <p:sldTgt/>
-                  </p:tgtEl>
-                </p:cond>
-              </p:prevCondLst>
-              <p:nextCondLst>
-                <p:cond evt="onNext" delay="0">
-                  <p:tgtEl>
-                    <p:sldTgt/>
-                  </p:tgtEl>
-                </p:cond>
-              </p:nextCondLst>
-            </p:seq>
-          </p:childTnLst>
-        </p:cTn>
-      </p:par>
-    </p:tnLst>
-  </p:timing>
 </p:sld>
 </file>
 
@@ -5120,571 +4837,6 @@
   <p:clrMapOvr>
     <a:masterClrMapping/>
   </p:clrMapOvr>
-  <p:timing>
-    <p:tnLst>
-      <p:par>
-        <p:cTn id="1" dur="indefinite" restart="never" nodeType="tmRoot">
-          <p:childTnLst>
-            <p:seq concurrent="1" nextAc="seek">
-              <p:cTn id="2" dur="indefinite" nodeType="mainSeq">
-                <p:childTnLst>
-                  <p:par>
-                    <p:cTn id="3" fill="hold">
-                      <p:stCondLst>
-                        <p:cond delay="indefinite"/>
-                      </p:stCondLst>
-                      <p:childTnLst>
-                        <p:par>
-                          <p:cTn id="4" fill="hold">
-                            <p:stCondLst>
-                              <p:cond delay="0"/>
-                            </p:stCondLst>
-                            <p:childTnLst>
-                              <p:par>
-                                <p:cTn id="5" presetID="1" presetClass="entr" presetSubtype="0" fill="hold" nodeType="clickEffect">
-                                  <p:stCondLst>
-                                    <p:cond delay="0"/>
-                                  </p:stCondLst>
-                                  <p:childTnLst>
-                                    <p:set>
-                                      <p:cBhvr>
-                                        <p:cTn id="6" dur="1" fill="hold">
-                                          <p:stCondLst>
-                                            <p:cond delay="0"/>
-                                          </p:stCondLst>
-                                        </p:cTn>
-                                        <p:tgtEl>
-                                          <p:spTgt spid="3">
-                                            <p:txEl>
-                                              <p:pRg st="0" end="0"/>
-                                            </p:txEl>
-                                          </p:spTgt>
-                                        </p:tgtEl>
-                                        <p:attrNameLst>
-                                          <p:attrName>style.visibility</p:attrName>
-                                        </p:attrNameLst>
-                                      </p:cBhvr>
-                                      <p:to>
-                                        <p:strVal val="visible"/>
-                                      </p:to>
-                                    </p:set>
-                                  </p:childTnLst>
-                                </p:cTn>
-                              </p:par>
-                            </p:childTnLst>
-                          </p:cTn>
-                        </p:par>
-                      </p:childTnLst>
-                    </p:cTn>
-                  </p:par>
-                  <p:par>
-                    <p:cTn id="7" fill="hold">
-                      <p:stCondLst>
-                        <p:cond delay="indefinite"/>
-                      </p:stCondLst>
-                      <p:childTnLst>
-                        <p:par>
-                          <p:cTn id="8" fill="hold">
-                            <p:stCondLst>
-                              <p:cond delay="0"/>
-                            </p:stCondLst>
-                            <p:childTnLst>
-                              <p:par>
-                                <p:cTn id="9" presetID="1" presetClass="entr" presetSubtype="0" fill="hold" nodeType="clickEffect">
-                                  <p:stCondLst>
-                                    <p:cond delay="0"/>
-                                  </p:stCondLst>
-                                  <p:childTnLst>
-                                    <p:set>
-                                      <p:cBhvr>
-                                        <p:cTn id="10" dur="1" fill="hold">
-                                          <p:stCondLst>
-                                            <p:cond delay="0"/>
-                                          </p:stCondLst>
-                                        </p:cTn>
-                                        <p:tgtEl>
-                                          <p:spTgt spid="5"/>
-                                        </p:tgtEl>
-                                        <p:attrNameLst>
-                                          <p:attrName>style.visibility</p:attrName>
-                                        </p:attrNameLst>
-                                      </p:cBhvr>
-                                      <p:to>
-                                        <p:strVal val="visible"/>
-                                      </p:to>
-                                    </p:set>
-                                  </p:childTnLst>
-                                </p:cTn>
-                              </p:par>
-                            </p:childTnLst>
-                          </p:cTn>
-                        </p:par>
-                      </p:childTnLst>
-                    </p:cTn>
-                  </p:par>
-                  <p:par>
-                    <p:cTn id="11" fill="hold">
-                      <p:stCondLst>
-                        <p:cond delay="indefinite"/>
-                      </p:stCondLst>
-                      <p:childTnLst>
-                        <p:par>
-                          <p:cTn id="12" fill="hold">
-                            <p:stCondLst>
-                              <p:cond delay="0"/>
-                            </p:stCondLst>
-                            <p:childTnLst>
-                              <p:par>
-                                <p:cTn id="13" presetID="1" presetClass="entr" presetSubtype="0" fill="hold" nodeType="clickEffect">
-                                  <p:stCondLst>
-                                    <p:cond delay="0"/>
-                                  </p:stCondLst>
-                                  <p:childTnLst>
-                                    <p:set>
-                                      <p:cBhvr>
-                                        <p:cTn id="14" dur="1" fill="hold">
-                                          <p:stCondLst>
-                                            <p:cond delay="0"/>
-                                          </p:stCondLst>
-                                        </p:cTn>
-                                        <p:tgtEl>
-                                          <p:spTgt spid="3">
-                                            <p:txEl>
-                                              <p:pRg st="1" end="1"/>
-                                            </p:txEl>
-                                          </p:spTgt>
-                                        </p:tgtEl>
-                                        <p:attrNameLst>
-                                          <p:attrName>style.visibility</p:attrName>
-                                        </p:attrNameLst>
-                                      </p:cBhvr>
-                                      <p:to>
-                                        <p:strVal val="visible"/>
-                                      </p:to>
-                                    </p:set>
-                                  </p:childTnLst>
-                                </p:cTn>
-                              </p:par>
-                            </p:childTnLst>
-                          </p:cTn>
-                        </p:par>
-                      </p:childTnLst>
-                    </p:cTn>
-                  </p:par>
-                  <p:par>
-                    <p:cTn id="15" fill="hold">
-                      <p:stCondLst>
-                        <p:cond delay="indefinite"/>
-                      </p:stCondLst>
-                      <p:childTnLst>
-                        <p:par>
-                          <p:cTn id="16" fill="hold">
-                            <p:stCondLst>
-                              <p:cond delay="0"/>
-                            </p:stCondLst>
-                            <p:childTnLst>
-                              <p:par>
-                                <p:cTn id="17" presetID="1" presetClass="entr" presetSubtype="0" fill="hold" nodeType="clickEffect">
-                                  <p:stCondLst>
-                                    <p:cond delay="0"/>
-                                  </p:stCondLst>
-                                  <p:childTnLst>
-                                    <p:set>
-                                      <p:cBhvr>
-                                        <p:cTn id="18" dur="1" fill="hold">
-                                          <p:stCondLst>
-                                            <p:cond delay="0"/>
-                                          </p:stCondLst>
-                                        </p:cTn>
-                                        <p:tgtEl>
-                                          <p:spTgt spid="3">
-                                            <p:txEl>
-                                              <p:pRg st="2" end="2"/>
-                                            </p:txEl>
-                                          </p:spTgt>
-                                        </p:tgtEl>
-                                        <p:attrNameLst>
-                                          <p:attrName>style.visibility</p:attrName>
-                                        </p:attrNameLst>
-                                      </p:cBhvr>
-                                      <p:to>
-                                        <p:strVal val="visible"/>
-                                      </p:to>
-                                    </p:set>
-                                  </p:childTnLst>
-                                </p:cTn>
-                              </p:par>
-                            </p:childTnLst>
-                          </p:cTn>
-                        </p:par>
-                      </p:childTnLst>
-                    </p:cTn>
-                  </p:par>
-                  <p:par>
-                    <p:cTn id="19" fill="hold">
-                      <p:stCondLst>
-                        <p:cond delay="indefinite"/>
-                      </p:stCondLst>
-                      <p:childTnLst>
-                        <p:par>
-                          <p:cTn id="20" fill="hold">
-                            <p:stCondLst>
-                              <p:cond delay="0"/>
-                            </p:stCondLst>
-                            <p:childTnLst>
-                              <p:par>
-                                <p:cTn id="21" presetID="1" presetClass="entr" presetSubtype="0" fill="hold" nodeType="clickEffect">
-                                  <p:stCondLst>
-                                    <p:cond delay="0"/>
-                                  </p:stCondLst>
-                                  <p:childTnLst>
-                                    <p:set>
-                                      <p:cBhvr>
-                                        <p:cTn id="22" dur="1" fill="hold">
-                                          <p:stCondLst>
-                                            <p:cond delay="0"/>
-                                          </p:stCondLst>
-                                        </p:cTn>
-                                        <p:tgtEl>
-                                          <p:spTgt spid="3">
-                                            <p:txEl>
-                                              <p:pRg st="3" end="3"/>
-                                            </p:txEl>
-                                          </p:spTgt>
-                                        </p:tgtEl>
-                                        <p:attrNameLst>
-                                          <p:attrName>style.visibility</p:attrName>
-                                        </p:attrNameLst>
-                                      </p:cBhvr>
-                                      <p:to>
-                                        <p:strVal val="visible"/>
-                                      </p:to>
-                                    </p:set>
-                                  </p:childTnLst>
-                                </p:cTn>
-                              </p:par>
-                            </p:childTnLst>
-                          </p:cTn>
-                        </p:par>
-                      </p:childTnLst>
-                    </p:cTn>
-                  </p:par>
-                  <p:par>
-                    <p:cTn id="23" fill="hold">
-                      <p:stCondLst>
-                        <p:cond delay="indefinite"/>
-                      </p:stCondLst>
-                      <p:childTnLst>
-                        <p:par>
-                          <p:cTn id="24" fill="hold">
-                            <p:stCondLst>
-                              <p:cond delay="0"/>
-                            </p:stCondLst>
-                            <p:childTnLst>
-                              <p:par>
-                                <p:cTn id="25" presetID="1" presetClass="entr" presetSubtype="0" fill="hold" nodeType="clickEffect">
-                                  <p:stCondLst>
-                                    <p:cond delay="0"/>
-                                  </p:stCondLst>
-                                  <p:childTnLst>
-                                    <p:set>
-                                      <p:cBhvr>
-                                        <p:cTn id="26" dur="1" fill="hold">
-                                          <p:stCondLst>
-                                            <p:cond delay="0"/>
-                                          </p:stCondLst>
-                                        </p:cTn>
-                                        <p:tgtEl>
-                                          <p:spTgt spid="3">
-                                            <p:txEl>
-                                              <p:pRg st="4" end="4"/>
-                                            </p:txEl>
-                                          </p:spTgt>
-                                        </p:tgtEl>
-                                        <p:attrNameLst>
-                                          <p:attrName>style.visibility</p:attrName>
-                                        </p:attrNameLst>
-                                      </p:cBhvr>
-                                      <p:to>
-                                        <p:strVal val="visible"/>
-                                      </p:to>
-                                    </p:set>
-                                  </p:childTnLst>
-                                </p:cTn>
-                              </p:par>
-                            </p:childTnLst>
-                          </p:cTn>
-                        </p:par>
-                      </p:childTnLst>
-                    </p:cTn>
-                  </p:par>
-                  <p:par>
-                    <p:cTn id="27" fill="hold">
-                      <p:stCondLst>
-                        <p:cond delay="indefinite"/>
-                      </p:stCondLst>
-                      <p:childTnLst>
-                        <p:par>
-                          <p:cTn id="28" fill="hold">
-                            <p:stCondLst>
-                              <p:cond delay="0"/>
-                            </p:stCondLst>
-                            <p:childTnLst>
-                              <p:par>
-                                <p:cTn id="29" presetID="1" presetClass="entr" presetSubtype="0" fill="hold" nodeType="clickEffect">
-                                  <p:stCondLst>
-                                    <p:cond delay="0"/>
-                                  </p:stCondLst>
-                                  <p:childTnLst>
-                                    <p:set>
-                                      <p:cBhvr>
-                                        <p:cTn id="30" dur="1" fill="hold">
-                                          <p:stCondLst>
-                                            <p:cond delay="0"/>
-                                          </p:stCondLst>
-                                        </p:cTn>
-                                        <p:tgtEl>
-                                          <p:spTgt spid="3">
-                                            <p:txEl>
-                                              <p:pRg st="5" end="5"/>
-                                            </p:txEl>
-                                          </p:spTgt>
-                                        </p:tgtEl>
-                                        <p:attrNameLst>
-                                          <p:attrName>style.visibility</p:attrName>
-                                        </p:attrNameLst>
-                                      </p:cBhvr>
-                                      <p:to>
-                                        <p:strVal val="visible"/>
-                                      </p:to>
-                                    </p:set>
-                                  </p:childTnLst>
-                                </p:cTn>
-                              </p:par>
-                            </p:childTnLst>
-                          </p:cTn>
-                        </p:par>
-                      </p:childTnLst>
-                    </p:cTn>
-                  </p:par>
-                  <p:par>
-                    <p:cTn id="31" fill="hold">
-                      <p:stCondLst>
-                        <p:cond delay="indefinite"/>
-                      </p:stCondLst>
-                      <p:childTnLst>
-                        <p:par>
-                          <p:cTn id="32" fill="hold">
-                            <p:stCondLst>
-                              <p:cond delay="0"/>
-                            </p:stCondLst>
-                            <p:childTnLst>
-                              <p:par>
-                                <p:cTn id="33" presetID="1" presetClass="entr" presetSubtype="0" fill="hold" nodeType="clickEffect">
-                                  <p:stCondLst>
-                                    <p:cond delay="0"/>
-                                  </p:stCondLst>
-                                  <p:childTnLst>
-                                    <p:set>
-                                      <p:cBhvr>
-                                        <p:cTn id="34" dur="1" fill="hold">
-                                          <p:stCondLst>
-                                            <p:cond delay="0"/>
-                                          </p:stCondLst>
-                                        </p:cTn>
-                                        <p:tgtEl>
-                                          <p:spTgt spid="3">
-                                            <p:txEl>
-                                              <p:pRg st="6" end="6"/>
-                                            </p:txEl>
-                                          </p:spTgt>
-                                        </p:tgtEl>
-                                        <p:attrNameLst>
-                                          <p:attrName>style.visibility</p:attrName>
-                                        </p:attrNameLst>
-                                      </p:cBhvr>
-                                      <p:to>
-                                        <p:strVal val="visible"/>
-                                      </p:to>
-                                    </p:set>
-                                  </p:childTnLst>
-                                </p:cTn>
-                              </p:par>
-                            </p:childTnLst>
-                          </p:cTn>
-                        </p:par>
-                      </p:childTnLst>
-                    </p:cTn>
-                  </p:par>
-                  <p:par>
-                    <p:cTn id="35" fill="hold">
-                      <p:stCondLst>
-                        <p:cond delay="indefinite"/>
-                      </p:stCondLst>
-                      <p:childTnLst>
-                        <p:par>
-                          <p:cTn id="36" fill="hold">
-                            <p:stCondLst>
-                              <p:cond delay="0"/>
-                            </p:stCondLst>
-                            <p:childTnLst>
-                              <p:par>
-                                <p:cTn id="37" presetID="1" presetClass="entr" presetSubtype="0" fill="hold" nodeType="clickEffect">
-                                  <p:stCondLst>
-                                    <p:cond delay="0"/>
-                                  </p:stCondLst>
-                                  <p:childTnLst>
-                                    <p:set>
-                                      <p:cBhvr>
-                                        <p:cTn id="38" dur="1" fill="hold">
-                                          <p:stCondLst>
-                                            <p:cond delay="0"/>
-                                          </p:stCondLst>
-                                        </p:cTn>
-                                        <p:tgtEl>
-                                          <p:spTgt spid="3">
-                                            <p:txEl>
-                                              <p:pRg st="7" end="7"/>
-                                            </p:txEl>
-                                          </p:spTgt>
-                                        </p:tgtEl>
-                                        <p:attrNameLst>
-                                          <p:attrName>style.visibility</p:attrName>
-                                        </p:attrNameLst>
-                                      </p:cBhvr>
-                                      <p:to>
-                                        <p:strVal val="visible"/>
-                                      </p:to>
-                                    </p:set>
-                                  </p:childTnLst>
-                                </p:cTn>
-                              </p:par>
-                            </p:childTnLst>
-                          </p:cTn>
-                        </p:par>
-                      </p:childTnLst>
-                    </p:cTn>
-                  </p:par>
-                  <p:par>
-                    <p:cTn id="39" fill="hold">
-                      <p:stCondLst>
-                        <p:cond delay="indefinite"/>
-                      </p:stCondLst>
-                      <p:childTnLst>
-                        <p:par>
-                          <p:cTn id="40" fill="hold">
-                            <p:stCondLst>
-                              <p:cond delay="0"/>
-                            </p:stCondLst>
-                            <p:childTnLst>
-                              <p:par>
-                                <p:cTn id="41" presetID="1" presetClass="entr" presetSubtype="0" fill="hold" nodeType="clickEffect">
-                                  <p:stCondLst>
-                                    <p:cond delay="0"/>
-                                  </p:stCondLst>
-                                  <p:childTnLst>
-                                    <p:set>
-                                      <p:cBhvr>
-                                        <p:cTn id="42" dur="1" fill="hold">
-                                          <p:stCondLst>
-                                            <p:cond delay="0"/>
-                                          </p:stCondLst>
-                                        </p:cTn>
-                                        <p:tgtEl>
-                                          <p:spTgt spid="3">
-                                            <p:txEl>
-                                              <p:pRg st="8" end="8"/>
-                                            </p:txEl>
-                                          </p:spTgt>
-                                        </p:tgtEl>
-                                        <p:attrNameLst>
-                                          <p:attrName>style.visibility</p:attrName>
-                                        </p:attrNameLst>
-                                      </p:cBhvr>
-                                      <p:to>
-                                        <p:strVal val="visible"/>
-                                      </p:to>
-                                    </p:set>
-                                  </p:childTnLst>
-                                </p:cTn>
-                              </p:par>
-                            </p:childTnLst>
-                          </p:cTn>
-                        </p:par>
-                      </p:childTnLst>
-                    </p:cTn>
-                  </p:par>
-                  <p:par>
-                    <p:cTn id="43" fill="hold">
-                      <p:stCondLst>
-                        <p:cond delay="indefinite"/>
-                      </p:stCondLst>
-                      <p:childTnLst>
-                        <p:par>
-                          <p:cTn id="44" fill="hold">
-                            <p:stCondLst>
-                              <p:cond delay="0"/>
-                            </p:stCondLst>
-                            <p:childTnLst>
-                              <p:par>
-                                <p:cTn id="45" presetID="1" presetClass="entr" presetSubtype="0" fill="hold" nodeType="clickEffect">
-                                  <p:stCondLst>
-                                    <p:cond delay="0"/>
-                                  </p:stCondLst>
-                                  <p:childTnLst>
-                                    <p:set>
-                                      <p:cBhvr>
-                                        <p:cTn id="46" dur="1" fill="hold">
-                                          <p:stCondLst>
-                                            <p:cond delay="0"/>
-                                          </p:stCondLst>
-                                        </p:cTn>
-                                        <p:tgtEl>
-                                          <p:spTgt spid="3">
-                                            <p:txEl>
-                                              <p:pRg st="9" end="9"/>
-                                            </p:txEl>
-                                          </p:spTgt>
-                                        </p:tgtEl>
-                                        <p:attrNameLst>
-                                          <p:attrName>style.visibility</p:attrName>
-                                        </p:attrNameLst>
-                                      </p:cBhvr>
-                                      <p:to>
-                                        <p:strVal val="visible"/>
-                                      </p:to>
-                                    </p:set>
-                                  </p:childTnLst>
-                                </p:cTn>
-                              </p:par>
-                            </p:childTnLst>
-                          </p:cTn>
-                        </p:par>
-                      </p:childTnLst>
-                    </p:cTn>
-                  </p:par>
-                </p:childTnLst>
-              </p:cTn>
-              <p:prevCondLst>
-                <p:cond evt="onPrev" delay="0">
-                  <p:tgtEl>
-                    <p:sldTgt/>
-                  </p:tgtEl>
-                </p:cond>
-              </p:prevCondLst>
-              <p:nextCondLst>
-                <p:cond evt="onNext" delay="0">
-                  <p:tgtEl>
-                    <p:sldTgt/>
-                  </p:tgtEl>
-                </p:cond>
-              </p:nextCondLst>
-            </p:seq>
-          </p:childTnLst>
-        </p:cTn>
-      </p:par>
-    </p:tnLst>
-  </p:timing>
 </p:sld>
 </file>
 
@@ -5723,12 +4875,14 @@
         </p:nvSpPr>
         <p:spPr/>
         <p:txBody>
-          <a:bodyPr/>
+          <a:bodyPr>
+            <a:normAutofit fontScale="90000"/>
+          </a:bodyPr>
           <a:lstStyle/>
           <a:p>
             <a:r>
               <a:rPr lang="en-GB" dirty="0"/>
-              <a:t>The circle is unbroken</a:t>
+              <a:t>Customer warranty in the agreement of terms</a:t>
             </a:r>
           </a:p>
         </p:txBody>
@@ -5902,526 +5056,6 @@
   <p:clrMapOvr>
     <a:masterClrMapping/>
   </p:clrMapOvr>
-  <p:timing>
-    <p:tnLst>
-      <p:par>
-        <p:cTn id="1" dur="indefinite" restart="never" nodeType="tmRoot">
-          <p:childTnLst>
-            <p:seq concurrent="1" nextAc="seek">
-              <p:cTn id="2" dur="indefinite" nodeType="mainSeq">
-                <p:childTnLst>
-                  <p:par>
-                    <p:cTn id="3" fill="hold">
-                      <p:stCondLst>
-                        <p:cond delay="indefinite"/>
-                      </p:stCondLst>
-                      <p:childTnLst>
-                        <p:par>
-                          <p:cTn id="4" fill="hold">
-                            <p:stCondLst>
-                              <p:cond delay="0"/>
-                            </p:stCondLst>
-                            <p:childTnLst>
-                              <p:par>
-                                <p:cTn id="5" presetID="1" presetClass="entr" presetSubtype="0" fill="hold" nodeType="clickEffect">
-                                  <p:stCondLst>
-                                    <p:cond delay="0"/>
-                                  </p:stCondLst>
-                                  <p:childTnLst>
-                                    <p:set>
-                                      <p:cBhvr>
-                                        <p:cTn id="6" dur="1" fill="hold">
-                                          <p:stCondLst>
-                                            <p:cond delay="0"/>
-                                          </p:stCondLst>
-                                        </p:cTn>
-                                        <p:tgtEl>
-                                          <p:spTgt spid="3">
-                                            <p:txEl>
-                                              <p:pRg st="0" end="0"/>
-                                            </p:txEl>
-                                          </p:spTgt>
-                                        </p:tgtEl>
-                                        <p:attrNameLst>
-                                          <p:attrName>style.visibility</p:attrName>
-                                        </p:attrNameLst>
-                                      </p:cBhvr>
-                                      <p:to>
-                                        <p:strVal val="visible"/>
-                                      </p:to>
-                                    </p:set>
-                                  </p:childTnLst>
-                                </p:cTn>
-                              </p:par>
-                            </p:childTnLst>
-                          </p:cTn>
-                        </p:par>
-                      </p:childTnLst>
-                    </p:cTn>
-                  </p:par>
-                  <p:par>
-                    <p:cTn id="7" fill="hold">
-                      <p:stCondLst>
-                        <p:cond delay="indefinite"/>
-                      </p:stCondLst>
-                      <p:childTnLst>
-                        <p:par>
-                          <p:cTn id="8" fill="hold">
-                            <p:stCondLst>
-                              <p:cond delay="0"/>
-                            </p:stCondLst>
-                            <p:childTnLst>
-                              <p:par>
-                                <p:cTn id="9" presetID="1" presetClass="entr" presetSubtype="0" fill="hold" nodeType="clickEffect">
-                                  <p:stCondLst>
-                                    <p:cond delay="0"/>
-                                  </p:stCondLst>
-                                  <p:childTnLst>
-                                    <p:set>
-                                      <p:cBhvr>
-                                        <p:cTn id="10" dur="1" fill="hold">
-                                          <p:stCondLst>
-                                            <p:cond delay="0"/>
-                                          </p:stCondLst>
-                                        </p:cTn>
-                                        <p:tgtEl>
-                                          <p:spTgt spid="3">
-                                            <p:txEl>
-                                              <p:pRg st="1" end="1"/>
-                                            </p:txEl>
-                                          </p:spTgt>
-                                        </p:tgtEl>
-                                        <p:attrNameLst>
-                                          <p:attrName>style.visibility</p:attrName>
-                                        </p:attrNameLst>
-                                      </p:cBhvr>
-                                      <p:to>
-                                        <p:strVal val="visible"/>
-                                      </p:to>
-                                    </p:set>
-                                  </p:childTnLst>
-                                </p:cTn>
-                              </p:par>
-                            </p:childTnLst>
-                          </p:cTn>
-                        </p:par>
-                      </p:childTnLst>
-                    </p:cTn>
-                  </p:par>
-                  <p:par>
-                    <p:cTn id="11" fill="hold">
-                      <p:stCondLst>
-                        <p:cond delay="indefinite"/>
-                      </p:stCondLst>
-                      <p:childTnLst>
-                        <p:par>
-                          <p:cTn id="12" fill="hold">
-                            <p:stCondLst>
-                              <p:cond delay="0"/>
-                            </p:stCondLst>
-                            <p:childTnLst>
-                              <p:par>
-                                <p:cTn id="13" presetID="1" presetClass="entr" presetSubtype="0" fill="hold" nodeType="clickEffect">
-                                  <p:stCondLst>
-                                    <p:cond delay="0"/>
-                                  </p:stCondLst>
-                                  <p:childTnLst>
-                                    <p:set>
-                                      <p:cBhvr>
-                                        <p:cTn id="14" dur="1" fill="hold">
-                                          <p:stCondLst>
-                                            <p:cond delay="0"/>
-                                          </p:stCondLst>
-                                        </p:cTn>
-                                        <p:tgtEl>
-                                          <p:spTgt spid="3">
-                                            <p:txEl>
-                                              <p:pRg st="2" end="2"/>
-                                            </p:txEl>
-                                          </p:spTgt>
-                                        </p:tgtEl>
-                                        <p:attrNameLst>
-                                          <p:attrName>style.visibility</p:attrName>
-                                        </p:attrNameLst>
-                                      </p:cBhvr>
-                                      <p:to>
-                                        <p:strVal val="visible"/>
-                                      </p:to>
-                                    </p:set>
-                                  </p:childTnLst>
-                                </p:cTn>
-                              </p:par>
-                            </p:childTnLst>
-                          </p:cTn>
-                        </p:par>
-                      </p:childTnLst>
-                    </p:cTn>
-                  </p:par>
-                  <p:par>
-                    <p:cTn id="15" fill="hold">
-                      <p:stCondLst>
-                        <p:cond delay="indefinite"/>
-                      </p:stCondLst>
-                      <p:childTnLst>
-                        <p:par>
-                          <p:cTn id="16" fill="hold">
-                            <p:stCondLst>
-                              <p:cond delay="0"/>
-                            </p:stCondLst>
-                            <p:childTnLst>
-                              <p:par>
-                                <p:cTn id="17" presetID="1" presetClass="entr" presetSubtype="0" fill="hold" nodeType="clickEffect">
-                                  <p:stCondLst>
-                                    <p:cond delay="0"/>
-                                  </p:stCondLst>
-                                  <p:childTnLst>
-                                    <p:set>
-                                      <p:cBhvr>
-                                        <p:cTn id="18" dur="1" fill="hold">
-                                          <p:stCondLst>
-                                            <p:cond delay="0"/>
-                                          </p:stCondLst>
-                                        </p:cTn>
-                                        <p:tgtEl>
-                                          <p:spTgt spid="3">
-                                            <p:txEl>
-                                              <p:pRg st="3" end="3"/>
-                                            </p:txEl>
-                                          </p:spTgt>
-                                        </p:tgtEl>
-                                        <p:attrNameLst>
-                                          <p:attrName>style.visibility</p:attrName>
-                                        </p:attrNameLst>
-                                      </p:cBhvr>
-                                      <p:to>
-                                        <p:strVal val="visible"/>
-                                      </p:to>
-                                    </p:set>
-                                  </p:childTnLst>
-                                </p:cTn>
-                              </p:par>
-                            </p:childTnLst>
-                          </p:cTn>
-                        </p:par>
-                      </p:childTnLst>
-                    </p:cTn>
-                  </p:par>
-                  <p:par>
-                    <p:cTn id="19" fill="hold">
-                      <p:stCondLst>
-                        <p:cond delay="indefinite"/>
-                      </p:stCondLst>
-                      <p:childTnLst>
-                        <p:par>
-                          <p:cTn id="20" fill="hold">
-                            <p:stCondLst>
-                              <p:cond delay="0"/>
-                            </p:stCondLst>
-                            <p:childTnLst>
-                              <p:par>
-                                <p:cTn id="21" presetID="1" presetClass="entr" presetSubtype="0" fill="hold" nodeType="clickEffect">
-                                  <p:stCondLst>
-                                    <p:cond delay="0"/>
-                                  </p:stCondLst>
-                                  <p:childTnLst>
-                                    <p:set>
-                                      <p:cBhvr>
-                                        <p:cTn id="22" dur="1" fill="hold">
-                                          <p:stCondLst>
-                                            <p:cond delay="0"/>
-                                          </p:stCondLst>
-                                        </p:cTn>
-                                        <p:tgtEl>
-                                          <p:spTgt spid="3">
-                                            <p:txEl>
-                                              <p:pRg st="4" end="4"/>
-                                            </p:txEl>
-                                          </p:spTgt>
-                                        </p:tgtEl>
-                                        <p:attrNameLst>
-                                          <p:attrName>style.visibility</p:attrName>
-                                        </p:attrNameLst>
-                                      </p:cBhvr>
-                                      <p:to>
-                                        <p:strVal val="visible"/>
-                                      </p:to>
-                                    </p:set>
-                                  </p:childTnLst>
-                                </p:cTn>
-                              </p:par>
-                            </p:childTnLst>
-                          </p:cTn>
-                        </p:par>
-                      </p:childTnLst>
-                    </p:cTn>
-                  </p:par>
-                  <p:par>
-                    <p:cTn id="23" fill="hold">
-                      <p:stCondLst>
-                        <p:cond delay="indefinite"/>
-                      </p:stCondLst>
-                      <p:childTnLst>
-                        <p:par>
-                          <p:cTn id="24" fill="hold">
-                            <p:stCondLst>
-                              <p:cond delay="0"/>
-                            </p:stCondLst>
-                            <p:childTnLst>
-                              <p:par>
-                                <p:cTn id="25" presetID="1" presetClass="entr" presetSubtype="0" fill="hold" nodeType="clickEffect">
-                                  <p:stCondLst>
-                                    <p:cond delay="0"/>
-                                  </p:stCondLst>
-                                  <p:childTnLst>
-                                    <p:set>
-                                      <p:cBhvr>
-                                        <p:cTn id="26" dur="1" fill="hold">
-                                          <p:stCondLst>
-                                            <p:cond delay="0"/>
-                                          </p:stCondLst>
-                                        </p:cTn>
-                                        <p:tgtEl>
-                                          <p:spTgt spid="3">
-                                            <p:txEl>
-                                              <p:pRg st="5" end="5"/>
-                                            </p:txEl>
-                                          </p:spTgt>
-                                        </p:tgtEl>
-                                        <p:attrNameLst>
-                                          <p:attrName>style.visibility</p:attrName>
-                                        </p:attrNameLst>
-                                      </p:cBhvr>
-                                      <p:to>
-                                        <p:strVal val="visible"/>
-                                      </p:to>
-                                    </p:set>
-                                  </p:childTnLst>
-                                </p:cTn>
-                              </p:par>
-                            </p:childTnLst>
-                          </p:cTn>
-                        </p:par>
-                      </p:childTnLst>
-                    </p:cTn>
-                  </p:par>
-                  <p:par>
-                    <p:cTn id="27" fill="hold">
-                      <p:stCondLst>
-                        <p:cond delay="indefinite"/>
-                      </p:stCondLst>
-                      <p:childTnLst>
-                        <p:par>
-                          <p:cTn id="28" fill="hold">
-                            <p:stCondLst>
-                              <p:cond delay="0"/>
-                            </p:stCondLst>
-                            <p:childTnLst>
-                              <p:par>
-                                <p:cTn id="29" presetID="1" presetClass="entr" presetSubtype="0" fill="hold" nodeType="clickEffect">
-                                  <p:stCondLst>
-                                    <p:cond delay="0"/>
-                                  </p:stCondLst>
-                                  <p:childTnLst>
-                                    <p:set>
-                                      <p:cBhvr>
-                                        <p:cTn id="30" dur="1" fill="hold">
-                                          <p:stCondLst>
-                                            <p:cond delay="0"/>
-                                          </p:stCondLst>
-                                        </p:cTn>
-                                        <p:tgtEl>
-                                          <p:spTgt spid="3">
-                                            <p:txEl>
-                                              <p:pRg st="6" end="6"/>
-                                            </p:txEl>
-                                          </p:spTgt>
-                                        </p:tgtEl>
-                                        <p:attrNameLst>
-                                          <p:attrName>style.visibility</p:attrName>
-                                        </p:attrNameLst>
-                                      </p:cBhvr>
-                                      <p:to>
-                                        <p:strVal val="visible"/>
-                                      </p:to>
-                                    </p:set>
-                                  </p:childTnLst>
-                                </p:cTn>
-                              </p:par>
-                            </p:childTnLst>
-                          </p:cTn>
-                        </p:par>
-                      </p:childTnLst>
-                    </p:cTn>
-                  </p:par>
-                  <p:par>
-                    <p:cTn id="31" fill="hold">
-                      <p:stCondLst>
-                        <p:cond delay="indefinite"/>
-                      </p:stCondLst>
-                      <p:childTnLst>
-                        <p:par>
-                          <p:cTn id="32" fill="hold">
-                            <p:stCondLst>
-                              <p:cond delay="0"/>
-                            </p:stCondLst>
-                            <p:childTnLst>
-                              <p:par>
-                                <p:cTn id="33" presetID="1" presetClass="entr" presetSubtype="0" fill="hold" nodeType="clickEffect">
-                                  <p:stCondLst>
-                                    <p:cond delay="0"/>
-                                  </p:stCondLst>
-                                  <p:childTnLst>
-                                    <p:set>
-                                      <p:cBhvr>
-                                        <p:cTn id="34" dur="1" fill="hold">
-                                          <p:stCondLst>
-                                            <p:cond delay="0"/>
-                                          </p:stCondLst>
-                                        </p:cTn>
-                                        <p:tgtEl>
-                                          <p:spTgt spid="3">
-                                            <p:txEl>
-                                              <p:pRg st="7" end="7"/>
-                                            </p:txEl>
-                                          </p:spTgt>
-                                        </p:tgtEl>
-                                        <p:attrNameLst>
-                                          <p:attrName>style.visibility</p:attrName>
-                                        </p:attrNameLst>
-                                      </p:cBhvr>
-                                      <p:to>
-                                        <p:strVal val="visible"/>
-                                      </p:to>
-                                    </p:set>
-                                  </p:childTnLst>
-                                </p:cTn>
-                              </p:par>
-                            </p:childTnLst>
-                          </p:cTn>
-                        </p:par>
-                      </p:childTnLst>
-                    </p:cTn>
-                  </p:par>
-                  <p:par>
-                    <p:cTn id="35" fill="hold">
-                      <p:stCondLst>
-                        <p:cond delay="indefinite"/>
-                      </p:stCondLst>
-                      <p:childTnLst>
-                        <p:par>
-                          <p:cTn id="36" fill="hold">
-                            <p:stCondLst>
-                              <p:cond delay="0"/>
-                            </p:stCondLst>
-                            <p:childTnLst>
-                              <p:par>
-                                <p:cTn id="37" presetID="1" presetClass="entr" presetSubtype="0" fill="hold" nodeType="clickEffect">
-                                  <p:stCondLst>
-                                    <p:cond delay="0"/>
-                                  </p:stCondLst>
-                                  <p:childTnLst>
-                                    <p:set>
-                                      <p:cBhvr>
-                                        <p:cTn id="38" dur="1" fill="hold">
-                                          <p:stCondLst>
-                                            <p:cond delay="0"/>
-                                          </p:stCondLst>
-                                        </p:cTn>
-                                        <p:tgtEl>
-                                          <p:spTgt spid="3">
-                                            <p:txEl>
-                                              <p:pRg st="8" end="8"/>
-                                            </p:txEl>
-                                          </p:spTgt>
-                                        </p:tgtEl>
-                                        <p:attrNameLst>
-                                          <p:attrName>style.visibility</p:attrName>
-                                        </p:attrNameLst>
-                                      </p:cBhvr>
-                                      <p:to>
-                                        <p:strVal val="visible"/>
-                                      </p:to>
-                                    </p:set>
-                                  </p:childTnLst>
-                                </p:cTn>
-                              </p:par>
-                            </p:childTnLst>
-                          </p:cTn>
-                        </p:par>
-                      </p:childTnLst>
-                    </p:cTn>
-                  </p:par>
-                  <p:par>
-                    <p:cTn id="39" fill="hold">
-                      <p:stCondLst>
-                        <p:cond delay="indefinite"/>
-                      </p:stCondLst>
-                      <p:childTnLst>
-                        <p:par>
-                          <p:cTn id="40" fill="hold">
-                            <p:stCondLst>
-                              <p:cond delay="0"/>
-                            </p:stCondLst>
-                            <p:childTnLst>
-                              <p:par>
-                                <p:cTn id="41" presetID="1" presetClass="entr" presetSubtype="0" fill="hold" nodeType="clickEffect">
-                                  <p:stCondLst>
-                                    <p:cond delay="0"/>
-                                  </p:stCondLst>
-                                  <p:childTnLst>
-                                    <p:set>
-                                      <p:cBhvr>
-                                        <p:cTn id="42" dur="1" fill="hold">
-                                          <p:stCondLst>
-                                            <p:cond delay="0"/>
-                                          </p:stCondLst>
-                                        </p:cTn>
-                                        <p:tgtEl>
-                                          <p:spTgt spid="3">
-                                            <p:txEl>
-                                              <p:pRg st="9" end="9"/>
-                                            </p:txEl>
-                                          </p:spTgt>
-                                        </p:tgtEl>
-                                        <p:attrNameLst>
-                                          <p:attrName>style.visibility</p:attrName>
-                                        </p:attrNameLst>
-                                      </p:cBhvr>
-                                      <p:to>
-                                        <p:strVal val="visible"/>
-                                      </p:to>
-                                    </p:set>
-                                  </p:childTnLst>
-                                </p:cTn>
-                              </p:par>
-                            </p:childTnLst>
-                          </p:cTn>
-                        </p:par>
-                      </p:childTnLst>
-                    </p:cTn>
-                  </p:par>
-                </p:childTnLst>
-              </p:cTn>
-              <p:prevCondLst>
-                <p:cond evt="onPrev" delay="0">
-                  <p:tgtEl>
-                    <p:sldTgt/>
-                  </p:tgtEl>
-                </p:cond>
-              </p:prevCondLst>
-              <p:nextCondLst>
-                <p:cond evt="onNext" delay="0">
-                  <p:tgtEl>
-                    <p:sldTgt/>
-                  </p:tgtEl>
-                </p:cond>
-              </p:nextCondLst>
-            </p:seq>
-          </p:childTnLst>
-        </p:cTn>
-      </p:par>
-    </p:tnLst>
-  </p:timing>
 </p:sld>
 </file>
 
@@ -6571,232 +5205,6 @@
   <p:clrMapOvr>
     <a:masterClrMapping/>
   </p:clrMapOvr>
-  <p:timing>
-    <p:tnLst>
-      <p:par>
-        <p:cTn id="1" dur="indefinite" restart="never" nodeType="tmRoot">
-          <p:childTnLst>
-            <p:seq concurrent="1" nextAc="seek">
-              <p:cTn id="2" dur="indefinite" nodeType="mainSeq">
-                <p:childTnLst>
-                  <p:par>
-                    <p:cTn id="3" fill="hold">
-                      <p:stCondLst>
-                        <p:cond delay="indefinite"/>
-                      </p:stCondLst>
-                      <p:childTnLst>
-                        <p:par>
-                          <p:cTn id="4" fill="hold">
-                            <p:stCondLst>
-                              <p:cond delay="0"/>
-                            </p:stCondLst>
-                            <p:childTnLst>
-                              <p:par>
-                                <p:cTn id="5" presetID="1" presetClass="entr" presetSubtype="0" fill="hold" nodeType="clickEffect">
-                                  <p:stCondLst>
-                                    <p:cond delay="0"/>
-                                  </p:stCondLst>
-                                  <p:childTnLst>
-                                    <p:set>
-                                      <p:cBhvr>
-                                        <p:cTn id="6" dur="1" fill="hold">
-                                          <p:stCondLst>
-                                            <p:cond delay="0"/>
-                                          </p:stCondLst>
-                                        </p:cTn>
-                                        <p:tgtEl>
-                                          <p:spTgt spid="3">
-                                            <p:txEl>
-                                              <p:pRg st="0" end="0"/>
-                                            </p:txEl>
-                                          </p:spTgt>
-                                        </p:tgtEl>
-                                        <p:attrNameLst>
-                                          <p:attrName>style.visibility</p:attrName>
-                                        </p:attrNameLst>
-                                      </p:cBhvr>
-                                      <p:to>
-                                        <p:strVal val="visible"/>
-                                      </p:to>
-                                    </p:set>
-                                  </p:childTnLst>
-                                </p:cTn>
-                              </p:par>
-                            </p:childTnLst>
-                          </p:cTn>
-                        </p:par>
-                      </p:childTnLst>
-                    </p:cTn>
-                  </p:par>
-                  <p:par>
-                    <p:cTn id="7" fill="hold">
-                      <p:stCondLst>
-                        <p:cond delay="indefinite"/>
-                      </p:stCondLst>
-                      <p:childTnLst>
-                        <p:par>
-                          <p:cTn id="8" fill="hold">
-                            <p:stCondLst>
-                              <p:cond delay="0"/>
-                            </p:stCondLst>
-                            <p:childTnLst>
-                              <p:par>
-                                <p:cTn id="9" presetID="1" presetClass="entr" presetSubtype="0" fill="hold" nodeType="clickEffect">
-                                  <p:stCondLst>
-                                    <p:cond delay="0"/>
-                                  </p:stCondLst>
-                                  <p:childTnLst>
-                                    <p:set>
-                                      <p:cBhvr>
-                                        <p:cTn id="10" dur="1" fill="hold">
-                                          <p:stCondLst>
-                                            <p:cond delay="0"/>
-                                          </p:stCondLst>
-                                        </p:cTn>
-                                        <p:tgtEl>
-                                          <p:spTgt spid="3">
-                                            <p:txEl>
-                                              <p:pRg st="1" end="1"/>
-                                            </p:txEl>
-                                          </p:spTgt>
-                                        </p:tgtEl>
-                                        <p:attrNameLst>
-                                          <p:attrName>style.visibility</p:attrName>
-                                        </p:attrNameLst>
-                                      </p:cBhvr>
-                                      <p:to>
-                                        <p:strVal val="visible"/>
-                                      </p:to>
-                                    </p:set>
-                                  </p:childTnLst>
-                                </p:cTn>
-                              </p:par>
-                            </p:childTnLst>
-                          </p:cTn>
-                        </p:par>
-                      </p:childTnLst>
-                    </p:cTn>
-                  </p:par>
-                  <p:par>
-                    <p:cTn id="11" fill="hold">
-                      <p:stCondLst>
-                        <p:cond delay="indefinite"/>
-                      </p:stCondLst>
-                      <p:childTnLst>
-                        <p:par>
-                          <p:cTn id="12" fill="hold">
-                            <p:stCondLst>
-                              <p:cond delay="0"/>
-                            </p:stCondLst>
-                            <p:childTnLst>
-                              <p:par>
-                                <p:cTn id="13" presetID="1" presetClass="entr" presetSubtype="0" fill="hold" nodeType="clickEffect">
-                                  <p:stCondLst>
-                                    <p:cond delay="0"/>
-                                  </p:stCondLst>
-                                  <p:childTnLst>
-                                    <p:set>
-                                      <p:cBhvr>
-                                        <p:cTn id="14" dur="1" fill="hold">
-                                          <p:stCondLst>
-                                            <p:cond delay="0"/>
-                                          </p:stCondLst>
-                                        </p:cTn>
-                                        <p:tgtEl>
-                                          <p:spTgt spid="3">
-                                            <p:txEl>
-                                              <p:pRg st="2" end="2"/>
-                                            </p:txEl>
-                                          </p:spTgt>
-                                        </p:tgtEl>
-                                        <p:attrNameLst>
-                                          <p:attrName>style.visibility</p:attrName>
-                                        </p:attrNameLst>
-                                      </p:cBhvr>
-                                      <p:to>
-                                        <p:strVal val="visible"/>
-                                      </p:to>
-                                    </p:set>
-                                  </p:childTnLst>
-                                </p:cTn>
-                              </p:par>
-                            </p:childTnLst>
-                          </p:cTn>
-                        </p:par>
-                      </p:childTnLst>
-                    </p:cTn>
-                  </p:par>
-                  <p:par>
-                    <p:cTn id="15" fill="hold">
-                      <p:stCondLst>
-                        <p:cond delay="indefinite"/>
-                      </p:stCondLst>
-                      <p:childTnLst>
-                        <p:par>
-                          <p:cTn id="16" fill="hold">
-                            <p:stCondLst>
-                              <p:cond delay="0"/>
-                            </p:stCondLst>
-                            <p:childTnLst>
-                              <p:par>
-                                <p:cTn id="17" presetID="1" presetClass="entr" presetSubtype="0" fill="hold" nodeType="clickEffect">
-                                  <p:stCondLst>
-                                    <p:cond delay="0"/>
-                                  </p:stCondLst>
-                                  <p:childTnLst>
-                                    <p:set>
-                                      <p:cBhvr>
-                                        <p:cTn id="18" dur="1" fill="hold">
-                                          <p:stCondLst>
-                                            <p:cond delay="0"/>
-                                          </p:stCondLst>
-                                        </p:cTn>
-                                        <p:tgtEl>
-                                          <p:spTgt spid="3">
-                                            <p:txEl>
-                                              <p:pRg st="3" end="3"/>
-                                            </p:txEl>
-                                          </p:spTgt>
-                                        </p:tgtEl>
-                                        <p:attrNameLst>
-                                          <p:attrName>style.visibility</p:attrName>
-                                        </p:attrNameLst>
-                                      </p:cBhvr>
-                                      <p:to>
-                                        <p:strVal val="visible"/>
-                                      </p:to>
-                                    </p:set>
-                                  </p:childTnLst>
-                                </p:cTn>
-                              </p:par>
-                            </p:childTnLst>
-                          </p:cTn>
-                        </p:par>
-                      </p:childTnLst>
-                    </p:cTn>
-                  </p:par>
-                </p:childTnLst>
-              </p:cTn>
-              <p:prevCondLst>
-                <p:cond evt="onPrev" delay="0">
-                  <p:tgtEl>
-                    <p:sldTgt/>
-                  </p:tgtEl>
-                </p:cond>
-              </p:prevCondLst>
-              <p:nextCondLst>
-                <p:cond evt="onNext" delay="0">
-                  <p:tgtEl>
-                    <p:sldTgt/>
-                  </p:tgtEl>
-                </p:cond>
-              </p:nextCondLst>
-            </p:seq>
-          </p:childTnLst>
-        </p:cTn>
-      </p:par>
-    </p:tnLst>
-  </p:timing>
 </p:sld>
 </file>
 
@@ -7074,722 +5482,6 @@
   <p:clrMapOvr>
     <a:masterClrMapping/>
   </p:clrMapOvr>
-  <p:timing>
-    <p:tnLst>
-      <p:par>
-        <p:cTn id="1" dur="indefinite" restart="never" nodeType="tmRoot">
-          <p:childTnLst>
-            <p:seq concurrent="1" nextAc="seek">
-              <p:cTn id="2" dur="indefinite" nodeType="mainSeq">
-                <p:childTnLst>
-                  <p:par>
-                    <p:cTn id="3" fill="hold">
-                      <p:stCondLst>
-                        <p:cond delay="indefinite"/>
-                      </p:stCondLst>
-                      <p:childTnLst>
-                        <p:par>
-                          <p:cTn id="4" fill="hold">
-                            <p:stCondLst>
-                              <p:cond delay="0"/>
-                            </p:stCondLst>
-                            <p:childTnLst>
-                              <p:par>
-                                <p:cTn id="5" presetID="1" presetClass="entr" presetSubtype="0" fill="hold" nodeType="clickEffect">
-                                  <p:stCondLst>
-                                    <p:cond delay="0"/>
-                                  </p:stCondLst>
-                                  <p:childTnLst>
-                                    <p:set>
-                                      <p:cBhvr>
-                                        <p:cTn id="6" dur="1" fill="hold">
-                                          <p:stCondLst>
-                                            <p:cond delay="0"/>
-                                          </p:stCondLst>
-                                        </p:cTn>
-                                        <p:tgtEl>
-                                          <p:spTgt spid="3">
-                                            <p:txEl>
-                                              <p:pRg st="0" end="0"/>
-                                            </p:txEl>
-                                          </p:spTgt>
-                                        </p:tgtEl>
-                                        <p:attrNameLst>
-                                          <p:attrName>style.visibility</p:attrName>
-                                        </p:attrNameLst>
-                                      </p:cBhvr>
-                                      <p:to>
-                                        <p:strVal val="visible"/>
-                                      </p:to>
-                                    </p:set>
-                                  </p:childTnLst>
-                                </p:cTn>
-                              </p:par>
-                            </p:childTnLst>
-                          </p:cTn>
-                        </p:par>
-                      </p:childTnLst>
-                    </p:cTn>
-                  </p:par>
-                  <p:par>
-                    <p:cTn id="7" fill="hold">
-                      <p:stCondLst>
-                        <p:cond delay="indefinite"/>
-                      </p:stCondLst>
-                      <p:childTnLst>
-                        <p:par>
-                          <p:cTn id="8" fill="hold">
-                            <p:stCondLst>
-                              <p:cond delay="0"/>
-                            </p:stCondLst>
-                            <p:childTnLst>
-                              <p:par>
-                                <p:cTn id="9" presetID="1" presetClass="entr" presetSubtype="0" fill="hold" nodeType="clickEffect">
-                                  <p:stCondLst>
-                                    <p:cond delay="0"/>
-                                  </p:stCondLst>
-                                  <p:childTnLst>
-                                    <p:set>
-                                      <p:cBhvr>
-                                        <p:cTn id="10" dur="1" fill="hold">
-                                          <p:stCondLst>
-                                            <p:cond delay="0"/>
-                                          </p:stCondLst>
-                                        </p:cTn>
-                                        <p:tgtEl>
-                                          <p:spTgt spid="3">
-                                            <p:txEl>
-                                              <p:pRg st="1" end="1"/>
-                                            </p:txEl>
-                                          </p:spTgt>
-                                        </p:tgtEl>
-                                        <p:attrNameLst>
-                                          <p:attrName>style.visibility</p:attrName>
-                                        </p:attrNameLst>
-                                      </p:cBhvr>
-                                      <p:to>
-                                        <p:strVal val="visible"/>
-                                      </p:to>
-                                    </p:set>
-                                  </p:childTnLst>
-                                </p:cTn>
-                              </p:par>
-                            </p:childTnLst>
-                          </p:cTn>
-                        </p:par>
-                      </p:childTnLst>
-                    </p:cTn>
-                  </p:par>
-                  <p:par>
-                    <p:cTn id="11" fill="hold">
-                      <p:stCondLst>
-                        <p:cond delay="indefinite"/>
-                      </p:stCondLst>
-                      <p:childTnLst>
-                        <p:par>
-                          <p:cTn id="12" fill="hold">
-                            <p:stCondLst>
-                              <p:cond delay="0"/>
-                            </p:stCondLst>
-                            <p:childTnLst>
-                              <p:par>
-                                <p:cTn id="13" presetID="1" presetClass="entr" presetSubtype="0" fill="hold" nodeType="clickEffect">
-                                  <p:stCondLst>
-                                    <p:cond delay="0"/>
-                                  </p:stCondLst>
-                                  <p:childTnLst>
-                                    <p:set>
-                                      <p:cBhvr>
-                                        <p:cTn id="14" dur="1" fill="hold">
-                                          <p:stCondLst>
-                                            <p:cond delay="0"/>
-                                          </p:stCondLst>
-                                        </p:cTn>
-                                        <p:tgtEl>
-                                          <p:spTgt spid="3">
-                                            <p:txEl>
-                                              <p:pRg st="2" end="2"/>
-                                            </p:txEl>
-                                          </p:spTgt>
-                                        </p:tgtEl>
-                                        <p:attrNameLst>
-                                          <p:attrName>style.visibility</p:attrName>
-                                        </p:attrNameLst>
-                                      </p:cBhvr>
-                                      <p:to>
-                                        <p:strVal val="visible"/>
-                                      </p:to>
-                                    </p:set>
-                                  </p:childTnLst>
-                                </p:cTn>
-                              </p:par>
-                            </p:childTnLst>
-                          </p:cTn>
-                        </p:par>
-                      </p:childTnLst>
-                    </p:cTn>
-                  </p:par>
-                  <p:par>
-                    <p:cTn id="15" fill="hold">
-                      <p:stCondLst>
-                        <p:cond delay="indefinite"/>
-                      </p:stCondLst>
-                      <p:childTnLst>
-                        <p:par>
-                          <p:cTn id="16" fill="hold">
-                            <p:stCondLst>
-                              <p:cond delay="0"/>
-                            </p:stCondLst>
-                            <p:childTnLst>
-                              <p:par>
-                                <p:cTn id="17" presetID="1" presetClass="entr" presetSubtype="0" fill="hold" nodeType="clickEffect">
-                                  <p:stCondLst>
-                                    <p:cond delay="0"/>
-                                  </p:stCondLst>
-                                  <p:childTnLst>
-                                    <p:set>
-                                      <p:cBhvr>
-                                        <p:cTn id="18" dur="1" fill="hold">
-                                          <p:stCondLst>
-                                            <p:cond delay="0"/>
-                                          </p:stCondLst>
-                                        </p:cTn>
-                                        <p:tgtEl>
-                                          <p:spTgt spid="3">
-                                            <p:txEl>
-                                              <p:pRg st="3" end="3"/>
-                                            </p:txEl>
-                                          </p:spTgt>
-                                        </p:tgtEl>
-                                        <p:attrNameLst>
-                                          <p:attrName>style.visibility</p:attrName>
-                                        </p:attrNameLst>
-                                      </p:cBhvr>
-                                      <p:to>
-                                        <p:strVal val="visible"/>
-                                      </p:to>
-                                    </p:set>
-                                  </p:childTnLst>
-                                </p:cTn>
-                              </p:par>
-                            </p:childTnLst>
-                          </p:cTn>
-                        </p:par>
-                      </p:childTnLst>
-                    </p:cTn>
-                  </p:par>
-                  <p:par>
-                    <p:cTn id="19" fill="hold">
-                      <p:stCondLst>
-                        <p:cond delay="indefinite"/>
-                      </p:stCondLst>
-                      <p:childTnLst>
-                        <p:par>
-                          <p:cTn id="20" fill="hold">
-                            <p:stCondLst>
-                              <p:cond delay="0"/>
-                            </p:stCondLst>
-                            <p:childTnLst>
-                              <p:par>
-                                <p:cTn id="21" presetID="1" presetClass="entr" presetSubtype="0" fill="hold" nodeType="clickEffect">
-                                  <p:stCondLst>
-                                    <p:cond delay="0"/>
-                                  </p:stCondLst>
-                                  <p:childTnLst>
-                                    <p:set>
-                                      <p:cBhvr>
-                                        <p:cTn id="22" dur="1" fill="hold">
-                                          <p:stCondLst>
-                                            <p:cond delay="0"/>
-                                          </p:stCondLst>
-                                        </p:cTn>
-                                        <p:tgtEl>
-                                          <p:spTgt spid="3">
-                                            <p:txEl>
-                                              <p:pRg st="4" end="4"/>
-                                            </p:txEl>
-                                          </p:spTgt>
-                                        </p:tgtEl>
-                                        <p:attrNameLst>
-                                          <p:attrName>style.visibility</p:attrName>
-                                        </p:attrNameLst>
-                                      </p:cBhvr>
-                                      <p:to>
-                                        <p:strVal val="visible"/>
-                                      </p:to>
-                                    </p:set>
-                                  </p:childTnLst>
-                                </p:cTn>
-                              </p:par>
-                            </p:childTnLst>
-                          </p:cTn>
-                        </p:par>
-                      </p:childTnLst>
-                    </p:cTn>
-                  </p:par>
-                  <p:par>
-                    <p:cTn id="23" fill="hold">
-                      <p:stCondLst>
-                        <p:cond delay="indefinite"/>
-                      </p:stCondLst>
-                      <p:childTnLst>
-                        <p:par>
-                          <p:cTn id="24" fill="hold">
-                            <p:stCondLst>
-                              <p:cond delay="0"/>
-                            </p:stCondLst>
-                            <p:childTnLst>
-                              <p:par>
-                                <p:cTn id="25" presetID="1" presetClass="entr" presetSubtype="0" fill="hold" nodeType="clickEffect">
-                                  <p:stCondLst>
-                                    <p:cond delay="0"/>
-                                  </p:stCondLst>
-                                  <p:childTnLst>
-                                    <p:set>
-                                      <p:cBhvr>
-                                        <p:cTn id="26" dur="1" fill="hold">
-                                          <p:stCondLst>
-                                            <p:cond delay="0"/>
-                                          </p:stCondLst>
-                                        </p:cTn>
-                                        <p:tgtEl>
-                                          <p:spTgt spid="3">
-                                            <p:txEl>
-                                              <p:pRg st="5" end="5"/>
-                                            </p:txEl>
-                                          </p:spTgt>
-                                        </p:tgtEl>
-                                        <p:attrNameLst>
-                                          <p:attrName>style.visibility</p:attrName>
-                                        </p:attrNameLst>
-                                      </p:cBhvr>
-                                      <p:to>
-                                        <p:strVal val="visible"/>
-                                      </p:to>
-                                    </p:set>
-                                  </p:childTnLst>
-                                </p:cTn>
-                              </p:par>
-                            </p:childTnLst>
-                          </p:cTn>
-                        </p:par>
-                      </p:childTnLst>
-                    </p:cTn>
-                  </p:par>
-                  <p:par>
-                    <p:cTn id="27" fill="hold">
-                      <p:stCondLst>
-                        <p:cond delay="indefinite"/>
-                      </p:stCondLst>
-                      <p:childTnLst>
-                        <p:par>
-                          <p:cTn id="28" fill="hold">
-                            <p:stCondLst>
-                              <p:cond delay="0"/>
-                            </p:stCondLst>
-                            <p:childTnLst>
-                              <p:par>
-                                <p:cTn id="29" presetID="1" presetClass="entr" presetSubtype="0" fill="hold" nodeType="clickEffect">
-                                  <p:stCondLst>
-                                    <p:cond delay="0"/>
-                                  </p:stCondLst>
-                                  <p:childTnLst>
-                                    <p:set>
-                                      <p:cBhvr>
-                                        <p:cTn id="30" dur="1" fill="hold">
-                                          <p:stCondLst>
-                                            <p:cond delay="0"/>
-                                          </p:stCondLst>
-                                        </p:cTn>
-                                        <p:tgtEl>
-                                          <p:spTgt spid="3">
-                                            <p:txEl>
-                                              <p:pRg st="6" end="6"/>
-                                            </p:txEl>
-                                          </p:spTgt>
-                                        </p:tgtEl>
-                                        <p:attrNameLst>
-                                          <p:attrName>style.visibility</p:attrName>
-                                        </p:attrNameLst>
-                                      </p:cBhvr>
-                                      <p:to>
-                                        <p:strVal val="visible"/>
-                                      </p:to>
-                                    </p:set>
-                                  </p:childTnLst>
-                                </p:cTn>
-                              </p:par>
-                            </p:childTnLst>
-                          </p:cTn>
-                        </p:par>
-                      </p:childTnLst>
-                    </p:cTn>
-                  </p:par>
-                  <p:par>
-                    <p:cTn id="31" fill="hold">
-                      <p:stCondLst>
-                        <p:cond delay="indefinite"/>
-                      </p:stCondLst>
-                      <p:childTnLst>
-                        <p:par>
-                          <p:cTn id="32" fill="hold">
-                            <p:stCondLst>
-                              <p:cond delay="0"/>
-                            </p:stCondLst>
-                            <p:childTnLst>
-                              <p:par>
-                                <p:cTn id="33" presetID="1" presetClass="entr" presetSubtype="0" fill="hold" nodeType="clickEffect">
-                                  <p:stCondLst>
-                                    <p:cond delay="0"/>
-                                  </p:stCondLst>
-                                  <p:childTnLst>
-                                    <p:set>
-                                      <p:cBhvr>
-                                        <p:cTn id="34" dur="1" fill="hold">
-                                          <p:stCondLst>
-                                            <p:cond delay="0"/>
-                                          </p:stCondLst>
-                                        </p:cTn>
-                                        <p:tgtEl>
-                                          <p:spTgt spid="3">
-                                            <p:txEl>
-                                              <p:pRg st="7" end="7"/>
-                                            </p:txEl>
-                                          </p:spTgt>
-                                        </p:tgtEl>
-                                        <p:attrNameLst>
-                                          <p:attrName>style.visibility</p:attrName>
-                                        </p:attrNameLst>
-                                      </p:cBhvr>
-                                      <p:to>
-                                        <p:strVal val="visible"/>
-                                      </p:to>
-                                    </p:set>
-                                  </p:childTnLst>
-                                </p:cTn>
-                              </p:par>
-                            </p:childTnLst>
-                          </p:cTn>
-                        </p:par>
-                      </p:childTnLst>
-                    </p:cTn>
-                  </p:par>
-                  <p:par>
-                    <p:cTn id="35" fill="hold">
-                      <p:stCondLst>
-                        <p:cond delay="indefinite"/>
-                      </p:stCondLst>
-                      <p:childTnLst>
-                        <p:par>
-                          <p:cTn id="36" fill="hold">
-                            <p:stCondLst>
-                              <p:cond delay="0"/>
-                            </p:stCondLst>
-                            <p:childTnLst>
-                              <p:par>
-                                <p:cTn id="37" presetID="1" presetClass="entr" presetSubtype="0" fill="hold" nodeType="clickEffect">
-                                  <p:stCondLst>
-                                    <p:cond delay="0"/>
-                                  </p:stCondLst>
-                                  <p:childTnLst>
-                                    <p:set>
-                                      <p:cBhvr>
-                                        <p:cTn id="38" dur="1" fill="hold">
-                                          <p:stCondLst>
-                                            <p:cond delay="0"/>
-                                          </p:stCondLst>
-                                        </p:cTn>
-                                        <p:tgtEl>
-                                          <p:spTgt spid="3">
-                                            <p:txEl>
-                                              <p:pRg st="8" end="8"/>
-                                            </p:txEl>
-                                          </p:spTgt>
-                                        </p:tgtEl>
-                                        <p:attrNameLst>
-                                          <p:attrName>style.visibility</p:attrName>
-                                        </p:attrNameLst>
-                                      </p:cBhvr>
-                                      <p:to>
-                                        <p:strVal val="visible"/>
-                                      </p:to>
-                                    </p:set>
-                                  </p:childTnLst>
-                                </p:cTn>
-                              </p:par>
-                            </p:childTnLst>
-                          </p:cTn>
-                        </p:par>
-                      </p:childTnLst>
-                    </p:cTn>
-                  </p:par>
-                  <p:par>
-                    <p:cTn id="39" fill="hold">
-                      <p:stCondLst>
-                        <p:cond delay="indefinite"/>
-                      </p:stCondLst>
-                      <p:childTnLst>
-                        <p:par>
-                          <p:cTn id="40" fill="hold">
-                            <p:stCondLst>
-                              <p:cond delay="0"/>
-                            </p:stCondLst>
-                            <p:childTnLst>
-                              <p:par>
-                                <p:cTn id="41" presetID="1" presetClass="entr" presetSubtype="0" fill="hold" nodeType="clickEffect">
-                                  <p:stCondLst>
-                                    <p:cond delay="0"/>
-                                  </p:stCondLst>
-                                  <p:childTnLst>
-                                    <p:set>
-                                      <p:cBhvr>
-                                        <p:cTn id="42" dur="1" fill="hold">
-                                          <p:stCondLst>
-                                            <p:cond delay="0"/>
-                                          </p:stCondLst>
-                                        </p:cTn>
-                                        <p:tgtEl>
-                                          <p:spTgt spid="3">
-                                            <p:txEl>
-                                              <p:pRg st="9" end="9"/>
-                                            </p:txEl>
-                                          </p:spTgt>
-                                        </p:tgtEl>
-                                        <p:attrNameLst>
-                                          <p:attrName>style.visibility</p:attrName>
-                                        </p:attrNameLst>
-                                      </p:cBhvr>
-                                      <p:to>
-                                        <p:strVal val="visible"/>
-                                      </p:to>
-                                    </p:set>
-                                  </p:childTnLst>
-                                </p:cTn>
-                              </p:par>
-                            </p:childTnLst>
-                          </p:cTn>
-                        </p:par>
-                      </p:childTnLst>
-                    </p:cTn>
-                  </p:par>
-                  <p:par>
-                    <p:cTn id="43" fill="hold">
-                      <p:stCondLst>
-                        <p:cond delay="indefinite"/>
-                      </p:stCondLst>
-                      <p:childTnLst>
-                        <p:par>
-                          <p:cTn id="44" fill="hold">
-                            <p:stCondLst>
-                              <p:cond delay="0"/>
-                            </p:stCondLst>
-                            <p:childTnLst>
-                              <p:par>
-                                <p:cTn id="45" presetID="1" presetClass="entr" presetSubtype="0" fill="hold" nodeType="clickEffect">
-                                  <p:stCondLst>
-                                    <p:cond delay="0"/>
-                                  </p:stCondLst>
-                                  <p:childTnLst>
-                                    <p:set>
-                                      <p:cBhvr>
-                                        <p:cTn id="46" dur="1" fill="hold">
-                                          <p:stCondLst>
-                                            <p:cond delay="0"/>
-                                          </p:stCondLst>
-                                        </p:cTn>
-                                        <p:tgtEl>
-                                          <p:spTgt spid="3">
-                                            <p:txEl>
-                                              <p:pRg st="10" end="10"/>
-                                            </p:txEl>
-                                          </p:spTgt>
-                                        </p:tgtEl>
-                                        <p:attrNameLst>
-                                          <p:attrName>style.visibility</p:attrName>
-                                        </p:attrNameLst>
-                                      </p:cBhvr>
-                                      <p:to>
-                                        <p:strVal val="visible"/>
-                                      </p:to>
-                                    </p:set>
-                                  </p:childTnLst>
-                                </p:cTn>
-                              </p:par>
-                            </p:childTnLst>
-                          </p:cTn>
-                        </p:par>
-                      </p:childTnLst>
-                    </p:cTn>
-                  </p:par>
-                  <p:par>
-                    <p:cTn id="47" fill="hold">
-                      <p:stCondLst>
-                        <p:cond delay="indefinite"/>
-                      </p:stCondLst>
-                      <p:childTnLst>
-                        <p:par>
-                          <p:cTn id="48" fill="hold">
-                            <p:stCondLst>
-                              <p:cond delay="0"/>
-                            </p:stCondLst>
-                            <p:childTnLst>
-                              <p:par>
-                                <p:cTn id="49" presetID="1" presetClass="entr" presetSubtype="0" fill="hold" nodeType="clickEffect">
-                                  <p:stCondLst>
-                                    <p:cond delay="0"/>
-                                  </p:stCondLst>
-                                  <p:childTnLst>
-                                    <p:set>
-                                      <p:cBhvr>
-                                        <p:cTn id="50" dur="1" fill="hold">
-                                          <p:stCondLst>
-                                            <p:cond delay="0"/>
-                                          </p:stCondLst>
-                                        </p:cTn>
-                                        <p:tgtEl>
-                                          <p:spTgt spid="3">
-                                            <p:txEl>
-                                              <p:pRg st="11" end="11"/>
-                                            </p:txEl>
-                                          </p:spTgt>
-                                        </p:tgtEl>
-                                        <p:attrNameLst>
-                                          <p:attrName>style.visibility</p:attrName>
-                                        </p:attrNameLst>
-                                      </p:cBhvr>
-                                      <p:to>
-                                        <p:strVal val="visible"/>
-                                      </p:to>
-                                    </p:set>
-                                  </p:childTnLst>
-                                </p:cTn>
-                              </p:par>
-                            </p:childTnLst>
-                          </p:cTn>
-                        </p:par>
-                      </p:childTnLst>
-                    </p:cTn>
-                  </p:par>
-                  <p:par>
-                    <p:cTn id="51" fill="hold">
-                      <p:stCondLst>
-                        <p:cond delay="indefinite"/>
-                      </p:stCondLst>
-                      <p:childTnLst>
-                        <p:par>
-                          <p:cTn id="52" fill="hold">
-                            <p:stCondLst>
-                              <p:cond delay="0"/>
-                            </p:stCondLst>
-                            <p:childTnLst>
-                              <p:par>
-                                <p:cTn id="53" presetID="1" presetClass="entr" presetSubtype="0" fill="hold" nodeType="clickEffect">
-                                  <p:stCondLst>
-                                    <p:cond delay="0"/>
-                                  </p:stCondLst>
-                                  <p:childTnLst>
-                                    <p:set>
-                                      <p:cBhvr>
-                                        <p:cTn id="54" dur="1" fill="hold">
-                                          <p:stCondLst>
-                                            <p:cond delay="0"/>
-                                          </p:stCondLst>
-                                        </p:cTn>
-                                        <p:tgtEl>
-                                          <p:spTgt spid="3">
-                                            <p:txEl>
-                                              <p:pRg st="12" end="12"/>
-                                            </p:txEl>
-                                          </p:spTgt>
-                                        </p:tgtEl>
-                                        <p:attrNameLst>
-                                          <p:attrName>style.visibility</p:attrName>
-                                        </p:attrNameLst>
-                                      </p:cBhvr>
-                                      <p:to>
-                                        <p:strVal val="visible"/>
-                                      </p:to>
-                                    </p:set>
-                                  </p:childTnLst>
-                                </p:cTn>
-                              </p:par>
-                            </p:childTnLst>
-                          </p:cTn>
-                        </p:par>
-                      </p:childTnLst>
-                    </p:cTn>
-                  </p:par>
-                  <p:par>
-                    <p:cTn id="55" fill="hold">
-                      <p:stCondLst>
-                        <p:cond delay="indefinite"/>
-                      </p:stCondLst>
-                      <p:childTnLst>
-                        <p:par>
-                          <p:cTn id="56" fill="hold">
-                            <p:stCondLst>
-                              <p:cond delay="0"/>
-                            </p:stCondLst>
-                            <p:childTnLst>
-                              <p:par>
-                                <p:cTn id="57" presetID="1" presetClass="entr" presetSubtype="0" fill="hold" nodeType="clickEffect">
-                                  <p:stCondLst>
-                                    <p:cond delay="0"/>
-                                  </p:stCondLst>
-                                  <p:childTnLst>
-                                    <p:set>
-                                      <p:cBhvr>
-                                        <p:cTn id="58" dur="1" fill="hold">
-                                          <p:stCondLst>
-                                            <p:cond delay="0"/>
-                                          </p:stCondLst>
-                                        </p:cTn>
-                                        <p:tgtEl>
-                                          <p:spTgt spid="3">
-                                            <p:txEl>
-                                              <p:pRg st="13" end="13"/>
-                                            </p:txEl>
-                                          </p:spTgt>
-                                        </p:tgtEl>
-                                        <p:attrNameLst>
-                                          <p:attrName>style.visibility</p:attrName>
-                                        </p:attrNameLst>
-                                      </p:cBhvr>
-                                      <p:to>
-                                        <p:strVal val="visible"/>
-                                      </p:to>
-                                    </p:set>
-                                  </p:childTnLst>
-                                </p:cTn>
-                              </p:par>
-                            </p:childTnLst>
-                          </p:cTn>
-                        </p:par>
-                      </p:childTnLst>
-                    </p:cTn>
-                  </p:par>
-                </p:childTnLst>
-              </p:cTn>
-              <p:prevCondLst>
-                <p:cond evt="onPrev" delay="0">
-                  <p:tgtEl>
-                    <p:sldTgt/>
-                  </p:tgtEl>
-                </p:cond>
-              </p:prevCondLst>
-              <p:nextCondLst>
-                <p:cond evt="onNext" delay="0">
-                  <p:tgtEl>
-                    <p:sldTgt/>
-                  </p:tgtEl>
-                </p:cond>
-              </p:nextCondLst>
-            </p:seq>
-          </p:childTnLst>
-        </p:cTn>
-      </p:par>
-    </p:tnLst>
-  </p:timing>
 </p:sld>
 </file>
 
@@ -7986,330 +5678,6 @@
   <p:clrMapOvr>
     <a:masterClrMapping/>
   </p:clrMapOvr>
-  <p:timing>
-    <p:tnLst>
-      <p:par>
-        <p:cTn id="1" dur="indefinite" restart="never" nodeType="tmRoot">
-          <p:childTnLst>
-            <p:seq concurrent="1" nextAc="seek">
-              <p:cTn id="2" dur="indefinite" nodeType="mainSeq">
-                <p:childTnLst>
-                  <p:par>
-                    <p:cTn id="3" fill="hold">
-                      <p:stCondLst>
-                        <p:cond delay="indefinite"/>
-                      </p:stCondLst>
-                      <p:childTnLst>
-                        <p:par>
-                          <p:cTn id="4" fill="hold">
-                            <p:stCondLst>
-                              <p:cond delay="0"/>
-                            </p:stCondLst>
-                            <p:childTnLst>
-                              <p:par>
-                                <p:cTn id="5" presetID="1" presetClass="entr" presetSubtype="0" fill="hold" nodeType="clickEffect">
-                                  <p:stCondLst>
-                                    <p:cond delay="0"/>
-                                  </p:stCondLst>
-                                  <p:childTnLst>
-                                    <p:set>
-                                      <p:cBhvr>
-                                        <p:cTn id="6" dur="1" fill="hold">
-                                          <p:stCondLst>
-                                            <p:cond delay="0"/>
-                                          </p:stCondLst>
-                                        </p:cTn>
-                                        <p:tgtEl>
-                                          <p:spTgt spid="3">
-                                            <p:txEl>
-                                              <p:pRg st="0" end="0"/>
-                                            </p:txEl>
-                                          </p:spTgt>
-                                        </p:tgtEl>
-                                        <p:attrNameLst>
-                                          <p:attrName>style.visibility</p:attrName>
-                                        </p:attrNameLst>
-                                      </p:cBhvr>
-                                      <p:to>
-                                        <p:strVal val="visible"/>
-                                      </p:to>
-                                    </p:set>
-                                  </p:childTnLst>
-                                </p:cTn>
-                              </p:par>
-                            </p:childTnLst>
-                          </p:cTn>
-                        </p:par>
-                      </p:childTnLst>
-                    </p:cTn>
-                  </p:par>
-                  <p:par>
-                    <p:cTn id="7" fill="hold">
-                      <p:stCondLst>
-                        <p:cond delay="indefinite"/>
-                      </p:stCondLst>
-                      <p:childTnLst>
-                        <p:par>
-                          <p:cTn id="8" fill="hold">
-                            <p:stCondLst>
-                              <p:cond delay="0"/>
-                            </p:stCondLst>
-                            <p:childTnLst>
-                              <p:par>
-                                <p:cTn id="9" presetID="1" presetClass="entr" presetSubtype="0" fill="hold" nodeType="clickEffect">
-                                  <p:stCondLst>
-                                    <p:cond delay="0"/>
-                                  </p:stCondLst>
-                                  <p:childTnLst>
-                                    <p:set>
-                                      <p:cBhvr>
-                                        <p:cTn id="10" dur="1" fill="hold">
-                                          <p:stCondLst>
-                                            <p:cond delay="0"/>
-                                          </p:stCondLst>
-                                        </p:cTn>
-                                        <p:tgtEl>
-                                          <p:spTgt spid="3">
-                                            <p:txEl>
-                                              <p:pRg st="1" end="1"/>
-                                            </p:txEl>
-                                          </p:spTgt>
-                                        </p:tgtEl>
-                                        <p:attrNameLst>
-                                          <p:attrName>style.visibility</p:attrName>
-                                        </p:attrNameLst>
-                                      </p:cBhvr>
-                                      <p:to>
-                                        <p:strVal val="visible"/>
-                                      </p:to>
-                                    </p:set>
-                                  </p:childTnLst>
-                                </p:cTn>
-                              </p:par>
-                            </p:childTnLst>
-                          </p:cTn>
-                        </p:par>
-                      </p:childTnLst>
-                    </p:cTn>
-                  </p:par>
-                  <p:par>
-                    <p:cTn id="11" fill="hold">
-                      <p:stCondLst>
-                        <p:cond delay="indefinite"/>
-                      </p:stCondLst>
-                      <p:childTnLst>
-                        <p:par>
-                          <p:cTn id="12" fill="hold">
-                            <p:stCondLst>
-                              <p:cond delay="0"/>
-                            </p:stCondLst>
-                            <p:childTnLst>
-                              <p:par>
-                                <p:cTn id="13" presetID="1" presetClass="entr" presetSubtype="0" fill="hold" nodeType="clickEffect">
-                                  <p:stCondLst>
-                                    <p:cond delay="0"/>
-                                  </p:stCondLst>
-                                  <p:childTnLst>
-                                    <p:set>
-                                      <p:cBhvr>
-                                        <p:cTn id="14" dur="1" fill="hold">
-                                          <p:stCondLst>
-                                            <p:cond delay="0"/>
-                                          </p:stCondLst>
-                                        </p:cTn>
-                                        <p:tgtEl>
-                                          <p:spTgt spid="3">
-                                            <p:txEl>
-                                              <p:pRg st="2" end="2"/>
-                                            </p:txEl>
-                                          </p:spTgt>
-                                        </p:tgtEl>
-                                        <p:attrNameLst>
-                                          <p:attrName>style.visibility</p:attrName>
-                                        </p:attrNameLst>
-                                      </p:cBhvr>
-                                      <p:to>
-                                        <p:strVal val="visible"/>
-                                      </p:to>
-                                    </p:set>
-                                  </p:childTnLst>
-                                </p:cTn>
-                              </p:par>
-                            </p:childTnLst>
-                          </p:cTn>
-                        </p:par>
-                      </p:childTnLst>
-                    </p:cTn>
-                  </p:par>
-                  <p:par>
-                    <p:cTn id="15" fill="hold">
-                      <p:stCondLst>
-                        <p:cond delay="indefinite"/>
-                      </p:stCondLst>
-                      <p:childTnLst>
-                        <p:par>
-                          <p:cTn id="16" fill="hold">
-                            <p:stCondLst>
-                              <p:cond delay="0"/>
-                            </p:stCondLst>
-                            <p:childTnLst>
-                              <p:par>
-                                <p:cTn id="17" presetID="1" presetClass="entr" presetSubtype="0" fill="hold" nodeType="clickEffect">
-                                  <p:stCondLst>
-                                    <p:cond delay="0"/>
-                                  </p:stCondLst>
-                                  <p:childTnLst>
-                                    <p:set>
-                                      <p:cBhvr>
-                                        <p:cTn id="18" dur="1" fill="hold">
-                                          <p:stCondLst>
-                                            <p:cond delay="0"/>
-                                          </p:stCondLst>
-                                        </p:cTn>
-                                        <p:tgtEl>
-                                          <p:spTgt spid="3">
-                                            <p:txEl>
-                                              <p:pRg st="3" end="3"/>
-                                            </p:txEl>
-                                          </p:spTgt>
-                                        </p:tgtEl>
-                                        <p:attrNameLst>
-                                          <p:attrName>style.visibility</p:attrName>
-                                        </p:attrNameLst>
-                                      </p:cBhvr>
-                                      <p:to>
-                                        <p:strVal val="visible"/>
-                                      </p:to>
-                                    </p:set>
-                                  </p:childTnLst>
-                                </p:cTn>
-                              </p:par>
-                            </p:childTnLst>
-                          </p:cTn>
-                        </p:par>
-                      </p:childTnLst>
-                    </p:cTn>
-                  </p:par>
-                  <p:par>
-                    <p:cTn id="19" fill="hold">
-                      <p:stCondLst>
-                        <p:cond delay="indefinite"/>
-                      </p:stCondLst>
-                      <p:childTnLst>
-                        <p:par>
-                          <p:cTn id="20" fill="hold">
-                            <p:stCondLst>
-                              <p:cond delay="0"/>
-                            </p:stCondLst>
-                            <p:childTnLst>
-                              <p:par>
-                                <p:cTn id="21" presetID="1" presetClass="entr" presetSubtype="0" fill="hold" nodeType="clickEffect">
-                                  <p:stCondLst>
-                                    <p:cond delay="0"/>
-                                  </p:stCondLst>
-                                  <p:childTnLst>
-                                    <p:set>
-                                      <p:cBhvr>
-                                        <p:cTn id="22" dur="1" fill="hold">
-                                          <p:stCondLst>
-                                            <p:cond delay="0"/>
-                                          </p:stCondLst>
-                                        </p:cTn>
-                                        <p:tgtEl>
-                                          <p:spTgt spid="3">
-                                            <p:txEl>
-                                              <p:pRg st="4" end="4"/>
-                                            </p:txEl>
-                                          </p:spTgt>
-                                        </p:tgtEl>
-                                        <p:attrNameLst>
-                                          <p:attrName>style.visibility</p:attrName>
-                                        </p:attrNameLst>
-                                      </p:cBhvr>
-                                      <p:to>
-                                        <p:strVal val="visible"/>
-                                      </p:to>
-                                    </p:set>
-                                  </p:childTnLst>
-                                </p:cTn>
-                              </p:par>
-                            </p:childTnLst>
-                          </p:cTn>
-                        </p:par>
-                      </p:childTnLst>
-                    </p:cTn>
-                  </p:par>
-                  <p:par>
-                    <p:cTn id="23" fill="hold">
-                      <p:stCondLst>
-                        <p:cond delay="indefinite"/>
-                      </p:stCondLst>
-                      <p:childTnLst>
-                        <p:par>
-                          <p:cTn id="24" fill="hold">
-                            <p:stCondLst>
-                              <p:cond delay="0"/>
-                            </p:stCondLst>
-                            <p:childTnLst>
-                              <p:par>
-                                <p:cTn id="25" presetID="1" presetClass="entr" presetSubtype="0" fill="hold" nodeType="clickEffect">
-                                  <p:stCondLst>
-                                    <p:cond delay="0"/>
-                                  </p:stCondLst>
-                                  <p:childTnLst>
-                                    <p:set>
-                                      <p:cBhvr>
-                                        <p:cTn id="26" dur="1" fill="hold">
-                                          <p:stCondLst>
-                                            <p:cond delay="0"/>
-                                          </p:stCondLst>
-                                        </p:cTn>
-                                        <p:tgtEl>
-                                          <p:spTgt spid="3">
-                                            <p:txEl>
-                                              <p:pRg st="5" end="5"/>
-                                            </p:txEl>
-                                          </p:spTgt>
-                                        </p:tgtEl>
-                                        <p:attrNameLst>
-                                          <p:attrName>style.visibility</p:attrName>
-                                        </p:attrNameLst>
-                                      </p:cBhvr>
-                                      <p:to>
-                                        <p:strVal val="visible"/>
-                                      </p:to>
-                                    </p:set>
-                                  </p:childTnLst>
-                                </p:cTn>
-                              </p:par>
-                            </p:childTnLst>
-                          </p:cTn>
-                        </p:par>
-                      </p:childTnLst>
-                    </p:cTn>
-                  </p:par>
-                </p:childTnLst>
-              </p:cTn>
-              <p:prevCondLst>
-                <p:cond evt="onPrev" delay="0">
-                  <p:tgtEl>
-                    <p:sldTgt/>
-                  </p:tgtEl>
-                </p:cond>
-              </p:prevCondLst>
-              <p:nextCondLst>
-                <p:cond evt="onNext" delay="0">
-                  <p:tgtEl>
-                    <p:sldTgt/>
-                  </p:tgtEl>
-                </p:cond>
-              </p:nextCondLst>
-            </p:seq>
-          </p:childTnLst>
-        </p:cTn>
-      </p:par>
-    </p:tnLst>
-  </p:timing>
 </p:sld>
 </file>
 
@@ -8476,281 +5844,6 @@
   <p:clrMapOvr>
     <a:masterClrMapping/>
   </p:clrMapOvr>
-  <p:timing>
-    <p:tnLst>
-      <p:par>
-        <p:cTn id="1" dur="indefinite" restart="never" nodeType="tmRoot">
-          <p:childTnLst>
-            <p:seq concurrent="1" nextAc="seek">
-              <p:cTn id="2" dur="indefinite" nodeType="mainSeq">
-                <p:childTnLst>
-                  <p:par>
-                    <p:cTn id="3" fill="hold">
-                      <p:stCondLst>
-                        <p:cond delay="indefinite"/>
-                      </p:stCondLst>
-                      <p:childTnLst>
-                        <p:par>
-                          <p:cTn id="4" fill="hold">
-                            <p:stCondLst>
-                              <p:cond delay="0"/>
-                            </p:stCondLst>
-                            <p:childTnLst>
-                              <p:par>
-                                <p:cTn id="5" presetID="1" presetClass="entr" presetSubtype="0" fill="hold" nodeType="clickEffect">
-                                  <p:stCondLst>
-                                    <p:cond delay="0"/>
-                                  </p:stCondLst>
-                                  <p:childTnLst>
-                                    <p:set>
-                                      <p:cBhvr>
-                                        <p:cTn id="6" dur="1" fill="hold">
-                                          <p:stCondLst>
-                                            <p:cond delay="0"/>
-                                          </p:stCondLst>
-                                        </p:cTn>
-                                        <p:tgtEl>
-                                          <p:spTgt spid="3">
-                                            <p:txEl>
-                                              <p:pRg st="0" end="0"/>
-                                            </p:txEl>
-                                          </p:spTgt>
-                                        </p:tgtEl>
-                                        <p:attrNameLst>
-                                          <p:attrName>style.visibility</p:attrName>
-                                        </p:attrNameLst>
-                                      </p:cBhvr>
-                                      <p:to>
-                                        <p:strVal val="visible"/>
-                                      </p:to>
-                                    </p:set>
-                                  </p:childTnLst>
-                                </p:cTn>
-                              </p:par>
-                            </p:childTnLst>
-                          </p:cTn>
-                        </p:par>
-                      </p:childTnLst>
-                    </p:cTn>
-                  </p:par>
-                  <p:par>
-                    <p:cTn id="7" fill="hold">
-                      <p:stCondLst>
-                        <p:cond delay="indefinite"/>
-                      </p:stCondLst>
-                      <p:childTnLst>
-                        <p:par>
-                          <p:cTn id="8" fill="hold">
-                            <p:stCondLst>
-                              <p:cond delay="0"/>
-                            </p:stCondLst>
-                            <p:childTnLst>
-                              <p:par>
-                                <p:cTn id="9" presetID="1" presetClass="entr" presetSubtype="0" fill="hold" nodeType="clickEffect">
-                                  <p:stCondLst>
-                                    <p:cond delay="0"/>
-                                  </p:stCondLst>
-                                  <p:childTnLst>
-                                    <p:set>
-                                      <p:cBhvr>
-                                        <p:cTn id="10" dur="1" fill="hold">
-                                          <p:stCondLst>
-                                            <p:cond delay="0"/>
-                                          </p:stCondLst>
-                                        </p:cTn>
-                                        <p:tgtEl>
-                                          <p:spTgt spid="3">
-                                            <p:txEl>
-                                              <p:pRg st="1" end="1"/>
-                                            </p:txEl>
-                                          </p:spTgt>
-                                        </p:tgtEl>
-                                        <p:attrNameLst>
-                                          <p:attrName>style.visibility</p:attrName>
-                                        </p:attrNameLst>
-                                      </p:cBhvr>
-                                      <p:to>
-                                        <p:strVal val="visible"/>
-                                      </p:to>
-                                    </p:set>
-                                  </p:childTnLst>
-                                </p:cTn>
-                              </p:par>
-                            </p:childTnLst>
-                          </p:cTn>
-                        </p:par>
-                      </p:childTnLst>
-                    </p:cTn>
-                  </p:par>
-                  <p:par>
-                    <p:cTn id="11" fill="hold">
-                      <p:stCondLst>
-                        <p:cond delay="indefinite"/>
-                      </p:stCondLst>
-                      <p:childTnLst>
-                        <p:par>
-                          <p:cTn id="12" fill="hold">
-                            <p:stCondLst>
-                              <p:cond delay="0"/>
-                            </p:stCondLst>
-                            <p:childTnLst>
-                              <p:par>
-                                <p:cTn id="13" presetID="1" presetClass="entr" presetSubtype="0" fill="hold" nodeType="clickEffect">
-                                  <p:stCondLst>
-                                    <p:cond delay="0"/>
-                                  </p:stCondLst>
-                                  <p:childTnLst>
-                                    <p:set>
-                                      <p:cBhvr>
-                                        <p:cTn id="14" dur="1" fill="hold">
-                                          <p:stCondLst>
-                                            <p:cond delay="0"/>
-                                          </p:stCondLst>
-                                        </p:cTn>
-                                        <p:tgtEl>
-                                          <p:spTgt spid="3">
-                                            <p:txEl>
-                                              <p:pRg st="2" end="2"/>
-                                            </p:txEl>
-                                          </p:spTgt>
-                                        </p:tgtEl>
-                                        <p:attrNameLst>
-                                          <p:attrName>style.visibility</p:attrName>
-                                        </p:attrNameLst>
-                                      </p:cBhvr>
-                                      <p:to>
-                                        <p:strVal val="visible"/>
-                                      </p:to>
-                                    </p:set>
-                                  </p:childTnLst>
-                                </p:cTn>
-                              </p:par>
-                            </p:childTnLst>
-                          </p:cTn>
-                        </p:par>
-                      </p:childTnLst>
-                    </p:cTn>
-                  </p:par>
-                  <p:par>
-                    <p:cTn id="15" fill="hold">
-                      <p:stCondLst>
-                        <p:cond delay="indefinite"/>
-                      </p:stCondLst>
-                      <p:childTnLst>
-                        <p:par>
-                          <p:cTn id="16" fill="hold">
-                            <p:stCondLst>
-                              <p:cond delay="0"/>
-                            </p:stCondLst>
-                            <p:childTnLst>
-                              <p:par>
-                                <p:cTn id="17" presetID="1" presetClass="entr" presetSubtype="0" fill="hold" nodeType="clickEffect">
-                                  <p:stCondLst>
-                                    <p:cond delay="0"/>
-                                  </p:stCondLst>
-                                  <p:childTnLst>
-                                    <p:set>
-                                      <p:cBhvr>
-                                        <p:cTn id="18" dur="1" fill="hold">
-                                          <p:stCondLst>
-                                            <p:cond delay="0"/>
-                                          </p:stCondLst>
-                                        </p:cTn>
-                                        <p:tgtEl>
-                                          <p:spTgt spid="3">
-                                            <p:txEl>
-                                              <p:pRg st="3" end="3"/>
-                                            </p:txEl>
-                                          </p:spTgt>
-                                        </p:tgtEl>
-                                        <p:attrNameLst>
-                                          <p:attrName>style.visibility</p:attrName>
-                                        </p:attrNameLst>
-                                      </p:cBhvr>
-                                      <p:to>
-                                        <p:strVal val="visible"/>
-                                      </p:to>
-                                    </p:set>
-                                  </p:childTnLst>
-                                </p:cTn>
-                              </p:par>
-                            </p:childTnLst>
-                          </p:cTn>
-                        </p:par>
-                      </p:childTnLst>
-                    </p:cTn>
-                  </p:par>
-                  <p:par>
-                    <p:cTn id="19" fill="hold">
-                      <p:stCondLst>
-                        <p:cond delay="indefinite"/>
-                      </p:stCondLst>
-                      <p:childTnLst>
-                        <p:par>
-                          <p:cTn id="20" fill="hold">
-                            <p:stCondLst>
-                              <p:cond delay="0"/>
-                            </p:stCondLst>
-                            <p:childTnLst>
-                              <p:par>
-                                <p:cTn id="21" presetID="1" presetClass="entr" presetSubtype="0" fill="hold" nodeType="clickEffect">
-                                  <p:stCondLst>
-                                    <p:cond delay="0"/>
-                                  </p:stCondLst>
-                                  <p:childTnLst>
-                                    <p:set>
-                                      <p:cBhvr>
-                                        <p:cTn id="22" dur="1" fill="hold">
-                                          <p:stCondLst>
-                                            <p:cond delay="0"/>
-                                          </p:stCondLst>
-                                        </p:cTn>
-                                        <p:tgtEl>
-                                          <p:spTgt spid="3">
-                                            <p:txEl>
-                                              <p:pRg st="4" end="4"/>
-                                            </p:txEl>
-                                          </p:spTgt>
-                                        </p:tgtEl>
-                                        <p:attrNameLst>
-                                          <p:attrName>style.visibility</p:attrName>
-                                        </p:attrNameLst>
-                                      </p:cBhvr>
-                                      <p:to>
-                                        <p:strVal val="visible"/>
-                                      </p:to>
-                                    </p:set>
-                                  </p:childTnLst>
-                                </p:cTn>
-                              </p:par>
-                            </p:childTnLst>
-                          </p:cTn>
-                        </p:par>
-                      </p:childTnLst>
-                    </p:cTn>
-                  </p:par>
-                </p:childTnLst>
-              </p:cTn>
-              <p:prevCondLst>
-                <p:cond evt="onPrev" delay="0">
-                  <p:tgtEl>
-                    <p:sldTgt/>
-                  </p:tgtEl>
-                </p:cond>
-              </p:prevCondLst>
-              <p:nextCondLst>
-                <p:cond evt="onNext" delay="0">
-                  <p:tgtEl>
-                    <p:sldTgt/>
-                  </p:tgtEl>
-                </p:cond>
-              </p:nextCondLst>
-            </p:seq>
-          </p:childTnLst>
-        </p:cTn>
-      </p:par>
-    </p:tnLst>
-  </p:timing>
 </p:sld>
 </file>
 
@@ -9311,6 +6404,21 @@
 </file>
 
 <file path=customXml/item1.xml><?xml version="1.0" encoding="utf-8"?>
+<?mso-contentType ?>
+<FormTemplates xmlns="http://schemas.microsoft.com/sharepoint/v3/contenttype/forms">
+  <Display>DocumentLibraryForm</Display>
+  <Edit>DocumentLibraryForm</Edit>
+  <New>DocumentLibraryForm</New>
+</FormTemplates>
+</file>
+
+<file path=customXml/item2.xml><?xml version="1.0" encoding="utf-8"?>
+<p:properties xmlns:p="http://schemas.microsoft.com/office/2006/metadata/properties" xmlns:xsi="http://www.w3.org/2001/XMLSchema-instance" xmlns:pc="http://schemas.microsoft.com/office/infopath/2007/PartnerControls">
+  <documentManagement/>
+</p:properties>
+</file>
+
+<file path=customXml/item3.xml><?xml version="1.0" encoding="utf-8"?>
 <ct:contentTypeSchema xmlns:ct="http://schemas.microsoft.com/office/2006/metadata/contentType" xmlns:ma="http://schemas.microsoft.com/office/2006/metadata/properties/metaAttributes" ct:_="" ma:_="" ma:contentTypeName="Document" ma:contentTypeID="0x01010028AAC203550B4E40A8ED4C6A11385C01" ma:contentTypeVersion="11" ma:contentTypeDescription="Create a new document." ma:contentTypeScope="" ma:versionID="181c61fe5df22d1f59c38d74292c5168">
   <xsd:schema xmlns:xsd="http://www.w3.org/2001/XMLSchema" xmlns:xs="http://www.w3.org/2001/XMLSchema" xmlns:p="http://schemas.microsoft.com/office/2006/metadata/properties" xmlns:ns2="af12d3ca-d309-4d9b-872e-f669d895b06e" xmlns:ns3="6354f033-77ec-451f-a4b1-89785309665d" targetNamespace="http://schemas.microsoft.com/office/2006/metadata/properties" ma:root="true" ma:fieldsID="bd40b66ef5728273303597190f92243d" ns2:_="" ns3:_="">
     <xsd:import namespace="af12d3ca-d309-4d9b-872e-f669d895b06e"/>
@@ -9521,22 +6629,24 @@
 </ct:contentTypeSchema>
 </file>
 
-<file path=customXml/item2.xml><?xml version="1.0" encoding="utf-8"?>
-<p:properties xmlns:p="http://schemas.microsoft.com/office/2006/metadata/properties" xmlns:xsi="http://www.w3.org/2001/XMLSchema-instance" xmlns:pc="http://schemas.microsoft.com/office/infopath/2007/PartnerControls">
-  <documentManagement/>
-</p:properties>
+<file path=customXml/itemProps1.xml><?xml version="1.0" encoding="utf-8"?>
+<ds:datastoreItem xmlns:ds="http://schemas.openxmlformats.org/officeDocument/2006/customXml" ds:itemID="{4E880100-AD93-4165-9435-CF4F80F1243C}">
+  <ds:schemaRefs>
+    <ds:schemaRef ds:uri="http://schemas.microsoft.com/sharepoint/v3/contenttype/forms"/>
+  </ds:schemaRefs>
+</ds:datastoreItem>
 </file>
 
-<file path=customXml/item3.xml><?xml version="1.0" encoding="utf-8"?>
-<?mso-contentType ?>
-<FormTemplates xmlns="http://schemas.microsoft.com/sharepoint/v3/contenttype/forms">
-  <Display>DocumentLibraryForm</Display>
-  <Edit>DocumentLibraryForm</Edit>
-  <New>DocumentLibraryForm</New>
-</FormTemplates>
+<file path=customXml/itemProps2.xml><?xml version="1.0" encoding="utf-8"?>
+<ds:datastoreItem xmlns:ds="http://schemas.openxmlformats.org/officeDocument/2006/customXml" ds:itemID="{C1D56013-FFA3-4AA5-BFCF-7C4A0141612A}">
+  <ds:schemaRefs>
+    <ds:schemaRef ds:uri="http://schemas.microsoft.com/office/2006/metadata/properties"/>
+    <ds:schemaRef ds:uri="http://schemas.microsoft.com/office/infopath/2007/PartnerControls"/>
+  </ds:schemaRefs>
+</ds:datastoreItem>
 </file>
 
-<file path=customXml/itemProps1.xml><?xml version="1.0" encoding="utf-8"?>
+<file path=customXml/itemProps3.xml><?xml version="1.0" encoding="utf-8"?>
 <ds:datastoreItem xmlns:ds="http://schemas.openxmlformats.org/officeDocument/2006/customXml" ds:itemID="{3EE3664A-EA3C-4E18-894D-9B94C9B30BD7}">
   <ds:schemaRefs>
     <ds:schemaRef ds:uri="http://schemas.microsoft.com/office/2006/metadata/contentType"/>
@@ -9553,21 +6663,4 @@
     <ds:schemaRef ds:uri="http://schemas.microsoft.com/internal/obd"/>
   </ds:schemaRefs>
 </ds:datastoreItem>
-</file>
-
-<file path=customXml/itemProps2.xml><?xml version="1.0" encoding="utf-8"?>
-<ds:datastoreItem xmlns:ds="http://schemas.openxmlformats.org/officeDocument/2006/customXml" ds:itemID="{C1D56013-FFA3-4AA5-BFCF-7C4A0141612A}">
-  <ds:schemaRefs>
-    <ds:schemaRef ds:uri="http://schemas.microsoft.com/office/2006/metadata/properties"/>
-    <ds:schemaRef ds:uri="http://schemas.microsoft.com/office/infopath/2007/PartnerControls"/>
-  </ds:schemaRefs>
-</ds:datastoreItem>
-</file>
-
-<file path=customXml/itemProps3.xml><?xml version="1.0" encoding="utf-8"?>
-<ds:datastoreItem xmlns:ds="http://schemas.openxmlformats.org/officeDocument/2006/customXml" ds:itemID="{4E880100-AD93-4165-9435-CF4F80F1243C}">
-  <ds:schemaRefs>
-    <ds:schemaRef ds:uri="http://schemas.microsoft.com/sharepoint/v3/contenttype/forms"/>
-  </ds:schemaRefs>
-</ds:datastoreItem>
 </file>